--- a/한끼줍쇼v2.pptx
+++ b/한끼줍쇼v2.pptx
@@ -5,7 +5,7 @@
     <p:sldMasterId id="2147483648" r:id="rId1"/>
   </p:sldMasterIdLst>
   <p:notesMasterIdLst>
-    <p:notesMasterId r:id="rId16"/>
+    <p:notesMasterId r:id="rId22"/>
   </p:notesMasterIdLst>
   <p:sldIdLst>
     <p:sldId id="256" r:id="rId2"/>
@@ -19,9 +19,15 @@
     <p:sldId id="271" r:id="rId10"/>
     <p:sldId id="272" r:id="rId11"/>
     <p:sldId id="274" r:id="rId12"/>
-    <p:sldId id="258" r:id="rId13"/>
-    <p:sldId id="260" r:id="rId14"/>
-    <p:sldId id="263" r:id="rId15"/>
+    <p:sldId id="275" r:id="rId13"/>
+    <p:sldId id="279" r:id="rId14"/>
+    <p:sldId id="277" r:id="rId15"/>
+    <p:sldId id="276" r:id="rId16"/>
+    <p:sldId id="280" r:id="rId17"/>
+    <p:sldId id="281" r:id="rId18"/>
+    <p:sldId id="258" r:id="rId19"/>
+    <p:sldId id="260" r:id="rId20"/>
+    <p:sldId id="263" r:id="rId21"/>
   </p:sldIdLst>
   <p:sldSz cx="12192000" cy="6858000"/>
   <p:notesSz cx="6858000" cy="9144000"/>
@@ -613,6 +619,552 @@
 </p:notes>
 </file>
 
+<file path=ppt/notesSlides/notesSlide10.xml><?xml version="1.0" encoding="utf-8"?>
+<p:notes xmlns:a="http://schemas.openxmlformats.org/drawingml/2006/main" xmlns:r="http://schemas.openxmlformats.org/officeDocument/2006/relationships" xmlns:p="http://schemas.openxmlformats.org/presentationml/2006/main">
+  <p:cSld>
+    <p:spTree>
+      <p:nvGrpSpPr>
+        <p:cNvPr id="1" name=""/>
+        <p:cNvGrpSpPr/>
+        <p:nvPr/>
+      </p:nvGrpSpPr>
+      <p:grpSpPr>
+        <a:xfrm>
+          <a:off x="0" y="0"/>
+          <a:ext cx="0" cy="0"/>
+          <a:chOff x="0" y="0"/>
+          <a:chExt cx="0" cy="0"/>
+        </a:xfrm>
+      </p:grpSpPr>
+      <p:sp>
+        <p:nvSpPr>
+          <p:cNvPr id="2" name="슬라이드 이미지 개체 틀 1"/>
+          <p:cNvSpPr>
+            <a:spLocks noGrp="1" noRot="1" noChangeAspect="1"/>
+          </p:cNvSpPr>
+          <p:nvPr>
+            <p:ph type="sldImg"/>
+          </p:nvPr>
+        </p:nvSpPr>
+        <p:spPr/>
+      </p:sp>
+      <p:sp>
+        <p:nvSpPr>
+          <p:cNvPr id="3" name="슬라이드 노트 개체 틀 2"/>
+          <p:cNvSpPr>
+            <a:spLocks noGrp="1"/>
+          </p:cNvSpPr>
+          <p:nvPr>
+            <p:ph type="body" idx="1"/>
+          </p:nvPr>
+        </p:nvSpPr>
+        <p:spPr/>
+        <p:txBody>
+          <a:bodyPr/>
+          <a:lstStyle/>
+          <a:p>
+            <a:r>
+              <a:rPr lang="en-US" altLang="ko-KR"/>
+              <a:t>// </a:t>
+            </a:r>
+            <a:r>
+              <a:rPr lang="ko-KR" altLang="en-US"/>
+              <a:t>퀘스트 </a:t>
+            </a:r>
+            <a:r>
+              <a:rPr lang="en-US" altLang="ko-KR"/>
+              <a:t>UI</a:t>
+            </a:r>
+            <a:r>
+              <a:rPr lang="ko-KR" altLang="en-US"/>
+              <a:t>에서 </a:t>
+            </a:r>
+            <a:r>
+              <a:rPr lang="en-US" altLang="ko-KR"/>
+              <a:t>isSelected</a:t>
+            </a:r>
+            <a:r>
+              <a:rPr lang="ko-KR" altLang="en-US"/>
+              <a:t>로 성공 여부를 체크 </a:t>
+            </a:r>
+            <a:br>
+              <a:rPr lang="en-US" altLang="ko-KR"/>
+            </a:br>
+            <a:r>
+              <a:rPr lang="en-US" altLang="ko-KR"/>
+              <a:t>// Foreach</a:t>
+            </a:r>
+            <a:r>
+              <a:rPr lang="ko-KR" altLang="en-US"/>
+              <a:t> 문 설명 필요 </a:t>
+            </a:r>
+            <a:r>
+              <a:rPr lang="en-US" altLang="ko-KR"/>
+              <a:t>(</a:t>
+            </a:r>
+            <a:r>
+              <a:rPr lang="ko-KR" altLang="en-US"/>
+              <a:t>성공여부를 체크해서 나중에 이미 성공했다고 뜨게 하는 용도맞나요</a:t>
+            </a:r>
+            <a:r>
+              <a:rPr lang="en-US" altLang="ko-KR"/>
+              <a:t>?)</a:t>
+            </a:r>
+            <a:endParaRPr lang="ko-KR" altLang="en-US"/>
+          </a:p>
+        </p:txBody>
+      </p:sp>
+      <p:sp>
+        <p:nvSpPr>
+          <p:cNvPr id="4" name="슬라이드 번호 개체 틀 3"/>
+          <p:cNvSpPr>
+            <a:spLocks noGrp="1"/>
+          </p:cNvSpPr>
+          <p:nvPr>
+            <p:ph type="sldNum" sz="quarter" idx="5"/>
+          </p:nvPr>
+        </p:nvSpPr>
+        <p:spPr/>
+        <p:txBody>
+          <a:bodyPr/>
+          <a:lstStyle/>
+          <a:p>
+            <a:fld id="{AC6C4DA3-AEDD-4EA0-BA24-E52EB4A7AD09}" type="slidenum">
+              <a:rPr lang="ko-KR" altLang="en-US" smtClean="0"/>
+              <a:t>13</a:t>
+            </a:fld>
+            <a:endParaRPr lang="ko-KR" altLang="en-US"/>
+          </a:p>
+        </p:txBody>
+      </p:sp>
+    </p:spTree>
+    <p:extLst>
+      <p:ext uri="{BB962C8B-B14F-4D97-AF65-F5344CB8AC3E}">
+        <p14:creationId xmlns:p14="http://schemas.microsoft.com/office/powerpoint/2010/main" val="46188460"/>
+      </p:ext>
+    </p:extLst>
+  </p:cSld>
+  <p:clrMapOvr>
+    <a:masterClrMapping/>
+  </p:clrMapOvr>
+</p:notes>
+</file>
+
+<file path=ppt/notesSlides/notesSlide11.xml><?xml version="1.0" encoding="utf-8"?>
+<p:notes xmlns:a="http://schemas.openxmlformats.org/drawingml/2006/main" xmlns:r="http://schemas.openxmlformats.org/officeDocument/2006/relationships" xmlns:p="http://schemas.openxmlformats.org/presentationml/2006/main">
+  <p:cSld>
+    <p:spTree>
+      <p:nvGrpSpPr>
+        <p:cNvPr id="1" name=""/>
+        <p:cNvGrpSpPr/>
+        <p:nvPr/>
+      </p:nvGrpSpPr>
+      <p:grpSpPr>
+        <a:xfrm>
+          <a:off x="0" y="0"/>
+          <a:ext cx="0" cy="0"/>
+          <a:chOff x="0" y="0"/>
+          <a:chExt cx="0" cy="0"/>
+        </a:xfrm>
+      </p:grpSpPr>
+      <p:sp>
+        <p:nvSpPr>
+          <p:cNvPr id="2" name="슬라이드 이미지 개체 틀 1"/>
+          <p:cNvSpPr>
+            <a:spLocks noGrp="1" noRot="1" noChangeAspect="1"/>
+          </p:cNvSpPr>
+          <p:nvPr>
+            <p:ph type="sldImg"/>
+          </p:nvPr>
+        </p:nvSpPr>
+        <p:spPr/>
+      </p:sp>
+      <p:sp>
+        <p:nvSpPr>
+          <p:cNvPr id="3" name="슬라이드 노트 개체 틀 2"/>
+          <p:cNvSpPr>
+            <a:spLocks noGrp="1"/>
+          </p:cNvSpPr>
+          <p:nvPr>
+            <p:ph type="body" idx="1"/>
+          </p:nvPr>
+        </p:nvSpPr>
+        <p:spPr/>
+        <p:txBody>
+          <a:bodyPr/>
+          <a:lstStyle/>
+          <a:p>
+            <a:r>
+              <a:rPr lang="en-US" altLang="ko-KR"/>
+              <a:t>//</a:t>
+            </a:r>
+            <a:r>
+              <a:rPr lang="ko-KR" altLang="en-US"/>
+              <a:t> </a:t>
+            </a:r>
+            <a:r>
+              <a:rPr lang="en-US" altLang="ko-KR"/>
+              <a:t>bool</a:t>
+            </a:r>
+            <a:r>
+              <a:rPr lang="ko-KR" altLang="en-US"/>
+              <a:t> 변수를 사용해 체크 </a:t>
+            </a:r>
+          </a:p>
+        </p:txBody>
+      </p:sp>
+      <p:sp>
+        <p:nvSpPr>
+          <p:cNvPr id="4" name="슬라이드 번호 개체 틀 3"/>
+          <p:cNvSpPr>
+            <a:spLocks noGrp="1"/>
+          </p:cNvSpPr>
+          <p:nvPr>
+            <p:ph type="sldNum" sz="quarter" idx="5"/>
+          </p:nvPr>
+        </p:nvSpPr>
+        <p:spPr/>
+        <p:txBody>
+          <a:bodyPr/>
+          <a:lstStyle/>
+          <a:p>
+            <a:fld id="{AC6C4DA3-AEDD-4EA0-BA24-E52EB4A7AD09}" type="slidenum">
+              <a:rPr lang="ko-KR" altLang="en-US" smtClean="0"/>
+              <a:t>14</a:t>
+            </a:fld>
+            <a:endParaRPr lang="ko-KR" altLang="en-US"/>
+          </a:p>
+        </p:txBody>
+      </p:sp>
+    </p:spTree>
+    <p:extLst>
+      <p:ext uri="{BB962C8B-B14F-4D97-AF65-F5344CB8AC3E}">
+        <p14:creationId xmlns:p14="http://schemas.microsoft.com/office/powerpoint/2010/main" val="977151854"/>
+      </p:ext>
+    </p:extLst>
+  </p:cSld>
+  <p:clrMapOvr>
+    <a:masterClrMapping/>
+  </p:clrMapOvr>
+</p:notes>
+</file>
+
+<file path=ppt/notesSlides/notesSlide12.xml><?xml version="1.0" encoding="utf-8"?>
+<p:notes xmlns:a="http://schemas.openxmlformats.org/drawingml/2006/main" xmlns:r="http://schemas.openxmlformats.org/officeDocument/2006/relationships" xmlns:p="http://schemas.openxmlformats.org/presentationml/2006/main">
+  <p:cSld>
+    <p:spTree>
+      <p:nvGrpSpPr>
+        <p:cNvPr id="1" name=""/>
+        <p:cNvGrpSpPr/>
+        <p:nvPr/>
+      </p:nvGrpSpPr>
+      <p:grpSpPr>
+        <a:xfrm>
+          <a:off x="0" y="0"/>
+          <a:ext cx="0" cy="0"/>
+          <a:chOff x="0" y="0"/>
+          <a:chExt cx="0" cy="0"/>
+        </a:xfrm>
+      </p:grpSpPr>
+      <p:sp>
+        <p:nvSpPr>
+          <p:cNvPr id="2" name="슬라이드 이미지 개체 틀 1"/>
+          <p:cNvSpPr>
+            <a:spLocks noGrp="1" noRot="1" noChangeAspect="1"/>
+          </p:cNvSpPr>
+          <p:nvPr>
+            <p:ph type="sldImg"/>
+          </p:nvPr>
+        </p:nvSpPr>
+        <p:spPr/>
+      </p:sp>
+      <p:sp>
+        <p:nvSpPr>
+          <p:cNvPr id="3" name="슬라이드 노트 개체 틀 2"/>
+          <p:cNvSpPr>
+            <a:spLocks noGrp="1"/>
+          </p:cNvSpPr>
+          <p:nvPr>
+            <p:ph type="body" idx="1"/>
+          </p:nvPr>
+        </p:nvSpPr>
+        <p:spPr/>
+        <p:txBody>
+          <a:bodyPr/>
+          <a:lstStyle/>
+          <a:p>
+            <a:r>
+              <a:rPr lang="en-US" altLang="ko-KR"/>
+              <a:t>//</a:t>
+            </a:r>
+            <a:r>
+              <a:rPr lang="ko-KR" altLang="en-US"/>
+              <a:t> 제 생각에는 여기에서 퀘스트 나오는 화면 캡처해서 이런 퀘스트 두 개를 만들었는데 이걸 어떻게 인벤토리</a:t>
+            </a:r>
+            <a:r>
+              <a:rPr lang="en-US" altLang="ko-KR"/>
+              <a:t>/</a:t>
+            </a:r>
+            <a:r>
+              <a:rPr lang="ko-KR" altLang="en-US"/>
+              <a:t>던전이랑 연계했냐면 </a:t>
+            </a:r>
+            <a:r>
+              <a:rPr lang="en-US" altLang="ko-KR"/>
+              <a:t> </a:t>
+            </a:r>
+            <a:r>
+              <a:rPr lang="ko-KR" altLang="en-US"/>
+              <a:t>으로 다음 페이지 넘어가고</a:t>
+            </a:r>
+          </a:p>
+        </p:txBody>
+      </p:sp>
+      <p:sp>
+        <p:nvSpPr>
+          <p:cNvPr id="4" name="슬라이드 번호 개체 틀 3"/>
+          <p:cNvSpPr>
+            <a:spLocks noGrp="1"/>
+          </p:cNvSpPr>
+          <p:nvPr>
+            <p:ph type="sldNum" sz="quarter" idx="5"/>
+          </p:nvPr>
+        </p:nvSpPr>
+        <p:spPr/>
+        <p:txBody>
+          <a:bodyPr/>
+          <a:lstStyle/>
+          <a:p>
+            <a:fld id="{AC6C4DA3-AEDD-4EA0-BA24-E52EB4A7AD09}" type="slidenum">
+              <a:rPr lang="ko-KR" altLang="en-US" smtClean="0"/>
+              <a:t>15</a:t>
+            </a:fld>
+            <a:endParaRPr lang="ko-KR" altLang="en-US"/>
+          </a:p>
+        </p:txBody>
+      </p:sp>
+    </p:spTree>
+    <p:extLst>
+      <p:ext uri="{BB962C8B-B14F-4D97-AF65-F5344CB8AC3E}">
+        <p14:creationId xmlns:p14="http://schemas.microsoft.com/office/powerpoint/2010/main" val="656473635"/>
+      </p:ext>
+    </p:extLst>
+  </p:cSld>
+  <p:clrMapOvr>
+    <a:masterClrMapping/>
+  </p:clrMapOvr>
+</p:notes>
+</file>
+
+<file path=ppt/notesSlides/notesSlide13.xml><?xml version="1.0" encoding="utf-8"?>
+<p:notes xmlns:a="http://schemas.openxmlformats.org/drawingml/2006/main" xmlns:r="http://schemas.openxmlformats.org/officeDocument/2006/relationships" xmlns:p="http://schemas.openxmlformats.org/presentationml/2006/main">
+  <p:cSld>
+    <p:spTree>
+      <p:nvGrpSpPr>
+        <p:cNvPr id="1" name=""/>
+        <p:cNvGrpSpPr/>
+        <p:nvPr/>
+      </p:nvGrpSpPr>
+      <p:grpSpPr>
+        <a:xfrm>
+          <a:off x="0" y="0"/>
+          <a:ext cx="0" cy="0"/>
+          <a:chOff x="0" y="0"/>
+          <a:chExt cx="0" cy="0"/>
+        </a:xfrm>
+      </p:grpSpPr>
+      <p:sp>
+        <p:nvSpPr>
+          <p:cNvPr id="2" name="슬라이드 이미지 개체 틀 1"/>
+          <p:cNvSpPr>
+            <a:spLocks noGrp="1" noRot="1" noChangeAspect="1"/>
+          </p:cNvSpPr>
+          <p:nvPr>
+            <p:ph type="sldImg"/>
+          </p:nvPr>
+        </p:nvSpPr>
+        <p:spPr/>
+      </p:sp>
+      <p:sp>
+        <p:nvSpPr>
+          <p:cNvPr id="3" name="슬라이드 노트 개체 틀 2"/>
+          <p:cNvSpPr>
+            <a:spLocks noGrp="1"/>
+          </p:cNvSpPr>
+          <p:nvPr>
+            <p:ph type="body" idx="1"/>
+          </p:nvPr>
+        </p:nvSpPr>
+        <p:spPr/>
+        <p:txBody>
+          <a:bodyPr/>
+          <a:lstStyle/>
+          <a:p>
+            <a:r>
+              <a:rPr lang="en-US" altLang="ko-KR"/>
+              <a:t>// </a:t>
+            </a:r>
+            <a:r>
+              <a:rPr lang="ko-KR" altLang="en-US"/>
+              <a:t>여기에서 좀 더 자세히 설명하면 될 것 같아요</a:t>
+            </a:r>
+            <a:br>
+              <a:rPr lang="en-US" altLang="ko-KR"/>
+            </a:br>
+            <a:r>
+              <a:rPr lang="en-US" altLang="ko-KR"/>
+              <a:t>// </a:t>
+            </a:r>
+            <a:r>
+              <a:rPr lang="ko-KR" altLang="en-US"/>
+              <a:t>에픽몬스터 처치 퀘스트 구현</a:t>
+            </a:r>
+          </a:p>
+        </p:txBody>
+      </p:sp>
+      <p:sp>
+        <p:nvSpPr>
+          <p:cNvPr id="4" name="슬라이드 번호 개체 틀 3"/>
+          <p:cNvSpPr>
+            <a:spLocks noGrp="1"/>
+          </p:cNvSpPr>
+          <p:nvPr>
+            <p:ph type="sldNum" sz="quarter" idx="5"/>
+          </p:nvPr>
+        </p:nvSpPr>
+        <p:spPr/>
+        <p:txBody>
+          <a:bodyPr/>
+          <a:lstStyle/>
+          <a:p>
+            <a:fld id="{AC6C4DA3-AEDD-4EA0-BA24-E52EB4A7AD09}" type="slidenum">
+              <a:rPr lang="ko-KR" altLang="en-US" smtClean="0"/>
+              <a:t>16</a:t>
+            </a:fld>
+            <a:endParaRPr lang="ko-KR" altLang="en-US"/>
+          </a:p>
+        </p:txBody>
+      </p:sp>
+    </p:spTree>
+    <p:extLst>
+      <p:ext uri="{BB962C8B-B14F-4D97-AF65-F5344CB8AC3E}">
+        <p14:creationId xmlns:p14="http://schemas.microsoft.com/office/powerpoint/2010/main" val="312684368"/>
+      </p:ext>
+    </p:extLst>
+  </p:cSld>
+  <p:clrMapOvr>
+    <a:masterClrMapping/>
+  </p:clrMapOvr>
+</p:notes>
+</file>
+
+<file path=ppt/notesSlides/notesSlide14.xml><?xml version="1.0" encoding="utf-8"?>
+<p:notes xmlns:a="http://schemas.openxmlformats.org/drawingml/2006/main" xmlns:r="http://schemas.openxmlformats.org/officeDocument/2006/relationships" xmlns:p="http://schemas.openxmlformats.org/presentationml/2006/main">
+  <p:cSld>
+    <p:spTree>
+      <p:nvGrpSpPr>
+        <p:cNvPr id="1" name=""/>
+        <p:cNvGrpSpPr/>
+        <p:nvPr/>
+      </p:nvGrpSpPr>
+      <p:grpSpPr>
+        <a:xfrm>
+          <a:off x="0" y="0"/>
+          <a:ext cx="0" cy="0"/>
+          <a:chOff x="0" y="0"/>
+          <a:chExt cx="0" cy="0"/>
+        </a:xfrm>
+      </p:grpSpPr>
+      <p:sp>
+        <p:nvSpPr>
+          <p:cNvPr id="2" name="슬라이드 이미지 개체 틀 1"/>
+          <p:cNvSpPr>
+            <a:spLocks noGrp="1" noRot="1" noChangeAspect="1"/>
+          </p:cNvSpPr>
+          <p:nvPr>
+            <p:ph type="sldImg"/>
+          </p:nvPr>
+        </p:nvSpPr>
+        <p:spPr/>
+      </p:sp>
+      <p:sp>
+        <p:nvSpPr>
+          <p:cNvPr id="3" name="슬라이드 노트 개체 틀 2"/>
+          <p:cNvSpPr>
+            <a:spLocks noGrp="1"/>
+          </p:cNvSpPr>
+          <p:nvPr>
+            <p:ph type="body" idx="1"/>
+          </p:nvPr>
+        </p:nvSpPr>
+        <p:spPr/>
+        <p:txBody>
+          <a:bodyPr/>
+          <a:lstStyle/>
+          <a:p>
+            <a:r>
+              <a:rPr lang="en-US" altLang="ko-KR"/>
+              <a:t>// </a:t>
+            </a:r>
+            <a:r>
+              <a:rPr lang="ko-KR" altLang="en-US"/>
+              <a:t>인벤토리 장착 퀘스트</a:t>
+            </a:r>
+            <a:r>
+              <a:rPr lang="en-US" altLang="ko-KR"/>
+              <a:t> </a:t>
+            </a:r>
+            <a:r>
+              <a:rPr lang="ko-KR" altLang="en-US"/>
+              <a:t>구현</a:t>
+            </a:r>
+            <a:br>
+              <a:rPr lang="en-US" altLang="ko-KR"/>
+            </a:br>
+            <a:r>
+              <a:rPr lang="en-US" altLang="ko-KR"/>
+              <a:t>// </a:t>
+            </a:r>
+            <a:endParaRPr lang="ko-KR" altLang="en-US"/>
+          </a:p>
+        </p:txBody>
+      </p:sp>
+      <p:sp>
+        <p:nvSpPr>
+          <p:cNvPr id="4" name="슬라이드 번호 개체 틀 3"/>
+          <p:cNvSpPr>
+            <a:spLocks noGrp="1"/>
+          </p:cNvSpPr>
+          <p:nvPr>
+            <p:ph type="sldNum" sz="quarter" idx="5"/>
+          </p:nvPr>
+        </p:nvSpPr>
+        <p:spPr/>
+        <p:txBody>
+          <a:bodyPr/>
+          <a:lstStyle/>
+          <a:p>
+            <a:fld id="{AC6C4DA3-AEDD-4EA0-BA24-E52EB4A7AD09}" type="slidenum">
+              <a:rPr lang="ko-KR" altLang="en-US" smtClean="0"/>
+              <a:t>17</a:t>
+            </a:fld>
+            <a:endParaRPr lang="ko-KR" altLang="en-US"/>
+          </a:p>
+        </p:txBody>
+      </p:sp>
+    </p:spTree>
+    <p:extLst>
+      <p:ext uri="{BB962C8B-B14F-4D97-AF65-F5344CB8AC3E}">
+        <p14:creationId xmlns:p14="http://schemas.microsoft.com/office/powerpoint/2010/main" val="144119153"/>
+      </p:ext>
+    </p:extLst>
+  </p:cSld>
+  <p:clrMapOvr>
+    <a:masterClrMapping/>
+  </p:clrMapOvr>
+</p:notes>
+</file>
+
 <file path=ppt/notesSlides/notesSlide2.xml><?xml version="1.0" encoding="utf-8"?>
 <p:notes xmlns:a="http://schemas.openxmlformats.org/drawingml/2006/main" xmlns:r="http://schemas.openxmlformats.org/officeDocument/2006/relationships" xmlns:p="http://schemas.openxmlformats.org/presentationml/2006/main">
   <p:cSld>
@@ -1607,6 +2159,129 @@
     <p:extLst>
       <p:ext uri="{BB962C8B-B14F-4D97-AF65-F5344CB8AC3E}">
         <p14:creationId xmlns:p14="http://schemas.microsoft.com/office/powerpoint/2010/main" val="4142923607"/>
+      </p:ext>
+    </p:extLst>
+  </p:cSld>
+  <p:clrMapOvr>
+    <a:masterClrMapping/>
+  </p:clrMapOvr>
+</p:notes>
+</file>
+
+<file path=ppt/notesSlides/notesSlide9.xml><?xml version="1.0" encoding="utf-8"?>
+<p:notes xmlns:a="http://schemas.openxmlformats.org/drawingml/2006/main" xmlns:r="http://schemas.openxmlformats.org/officeDocument/2006/relationships" xmlns:p="http://schemas.openxmlformats.org/presentationml/2006/main">
+  <p:cSld>
+    <p:spTree>
+      <p:nvGrpSpPr>
+        <p:cNvPr id="1" name=""/>
+        <p:cNvGrpSpPr/>
+        <p:nvPr/>
+      </p:nvGrpSpPr>
+      <p:grpSpPr>
+        <a:xfrm>
+          <a:off x="0" y="0"/>
+          <a:ext cx="0" cy="0"/>
+          <a:chOff x="0" y="0"/>
+          <a:chExt cx="0" cy="0"/>
+        </a:xfrm>
+      </p:grpSpPr>
+      <p:sp>
+        <p:nvSpPr>
+          <p:cNvPr id="2" name="슬라이드 이미지 개체 틀 1"/>
+          <p:cNvSpPr>
+            <a:spLocks noGrp="1" noRot="1" noChangeAspect="1"/>
+          </p:cNvSpPr>
+          <p:nvPr>
+            <p:ph type="sldImg"/>
+          </p:nvPr>
+        </p:nvSpPr>
+        <p:spPr/>
+      </p:sp>
+      <p:sp>
+        <p:nvSpPr>
+          <p:cNvPr id="3" name="슬라이드 노트 개체 틀 2"/>
+          <p:cNvSpPr>
+            <a:spLocks noGrp="1"/>
+          </p:cNvSpPr>
+          <p:nvPr>
+            <p:ph type="body" idx="1"/>
+          </p:nvPr>
+        </p:nvSpPr>
+        <p:spPr/>
+        <p:txBody>
+          <a:bodyPr/>
+          <a:lstStyle/>
+          <a:p>
+            <a:r>
+              <a:rPr lang="ko-KR" altLang="en-US"/>
+              <a:t>뒷부분까지 보시면 </a:t>
+            </a:r>
+            <a:r>
+              <a:rPr lang="en-US" altLang="ko-KR"/>
+              <a:t>isDead </a:t>
+            </a:r>
+            <a:r>
+              <a:rPr lang="ko-KR" altLang="en-US"/>
+              <a:t>죽음 여부를 체크를 해서 </a:t>
+            </a:r>
+            <a:br>
+              <a:rPr lang="en-US" altLang="ko-KR"/>
+            </a:br>
+            <a:r>
+              <a:rPr lang="ko-KR" altLang="en-US"/>
+              <a:t>만약에 한쪽이 전멸을 했다</a:t>
+            </a:r>
+            <a:r>
+              <a:rPr lang="en-US" altLang="ko-KR"/>
+              <a:t>, </a:t>
+            </a:r>
+            <a:r>
+              <a:rPr lang="ko-KR" altLang="en-US"/>
+              <a:t>하면 다른 </a:t>
+            </a:r>
+            <a:r>
+              <a:rPr lang="en-US" altLang="ko-KR"/>
+              <a:t>UI</a:t>
+            </a:r>
+            <a:r>
+              <a:rPr lang="ko-KR" altLang="en-US"/>
+              <a:t>로 넘어가도록 작업을 했습니다</a:t>
+            </a:r>
+            <a:r>
+              <a:rPr lang="en-US" altLang="ko-KR"/>
+              <a:t>. </a:t>
+            </a:r>
+            <a:endParaRPr lang="ko-KR" altLang="en-US"/>
+          </a:p>
+        </p:txBody>
+      </p:sp>
+      <p:sp>
+        <p:nvSpPr>
+          <p:cNvPr id="4" name="슬라이드 번호 개체 틀 3"/>
+          <p:cNvSpPr>
+            <a:spLocks noGrp="1"/>
+          </p:cNvSpPr>
+          <p:nvPr>
+            <p:ph type="sldNum" sz="quarter" idx="5"/>
+          </p:nvPr>
+        </p:nvSpPr>
+        <p:spPr/>
+        <p:txBody>
+          <a:bodyPr/>
+          <a:lstStyle/>
+          <a:p>
+            <a:fld id="{AC6C4DA3-AEDD-4EA0-BA24-E52EB4A7AD09}" type="slidenum">
+              <a:rPr lang="ko-KR" altLang="en-US" smtClean="0"/>
+              <a:t>12</a:t>
+            </a:fld>
+            <a:endParaRPr lang="ko-KR" altLang="en-US"/>
+          </a:p>
+        </p:txBody>
+      </p:sp>
+    </p:spTree>
+    <p:extLst>
+      <p:ext uri="{BB962C8B-B14F-4D97-AF65-F5344CB8AC3E}">
+        <p14:creationId xmlns:p14="http://schemas.microsoft.com/office/powerpoint/2010/main" val="278353121"/>
       </p:ext>
     </p:extLst>
   </p:cSld>
@@ -6394,6 +7069,14 @@
 <file path=ppt/slides/slide12.xml><?xml version="1.0" encoding="utf-8"?>
 <p:sld xmlns:a="http://schemas.openxmlformats.org/drawingml/2006/main" xmlns:r="http://schemas.openxmlformats.org/officeDocument/2006/relationships" xmlns:p="http://schemas.openxmlformats.org/presentationml/2006/main">
   <p:cSld>
+    <p:bg>
+      <p:bgPr>
+        <a:solidFill>
+          <a:schemeClr val="tx1"/>
+        </a:solidFill>
+        <a:effectLst/>
+      </p:bgPr>
+    </p:bg>
     <p:spTree>
       <p:nvGrpSpPr>
         <p:cNvPr id="1" name=""/>
@@ -6410,10 +7093,10 @@
       </p:grpSpPr>
       <p:sp>
         <p:nvSpPr>
-          <p:cNvPr id="4" name="TextBox 3">
-            <a:extLst>
-              <a:ext uri="{FF2B5EF4-FFF2-40B4-BE49-F238E27FC236}">
-                <a16:creationId xmlns:a16="http://schemas.microsoft.com/office/drawing/2014/main" id="{29969142-A183-AC28-0B8D-31491E1EEE48}"/>
+          <p:cNvPr id="7" name="TextBox 6">
+            <a:extLst>
+              <a:ext uri="{FF2B5EF4-FFF2-40B4-BE49-F238E27FC236}">
+                <a16:creationId xmlns:a16="http://schemas.microsoft.com/office/drawing/2014/main" id="{57D789ED-E9F7-24E6-F755-AB0AE85FD0A2}"/>
               </a:ext>
             </a:extLst>
           </p:cNvPr>
@@ -6422,8 +7105,8 @@
         </p:nvSpPr>
         <p:spPr>
           <a:xfrm>
-            <a:off x="5517931" y="3429000"/>
-            <a:ext cx="3825086" cy="646331"/>
+            <a:off x="1153838" y="2403415"/>
+            <a:ext cx="2517036" cy="707886"/>
           </a:xfrm>
           <a:prstGeom prst="rect">
             <a:avLst/>
@@ -6437,32 +7120,275 @@
           <a:lstStyle/>
           <a:p>
             <a:r>
-              <a:rPr lang="ko-KR" altLang="en-US"/>
-              <a:t>쭉 찍고 필요한 부분 편집해서 쓰기</a:t>
+              <a:rPr lang="ko-KR" altLang="en-US" sz="4000">
+                <a:solidFill>
+                  <a:schemeClr val="bg1"/>
+                </a:solidFill>
+                <a:latin typeface="Pretendard Black" panose="02000A03000000020004" pitchFamily="50" charset="-127"/>
+                <a:ea typeface="Pretendard Black" panose="02000A03000000020004" pitchFamily="50" charset="-127"/>
+                <a:cs typeface="Pretendard Black" panose="02000A03000000020004" pitchFamily="50" charset="-127"/>
+              </a:rPr>
+              <a:t>던전 클래스</a:t>
+            </a:r>
+          </a:p>
+        </p:txBody>
+      </p:sp>
+      <p:sp>
+        <p:nvSpPr>
+          <p:cNvPr id="27" name="TextBox 26">
+            <a:extLst>
+              <a:ext uri="{FF2B5EF4-FFF2-40B4-BE49-F238E27FC236}">
+                <a16:creationId xmlns:a16="http://schemas.microsoft.com/office/drawing/2014/main" id="{76DFBF0E-FDF1-1F46-CC62-E837A6407A10}"/>
+              </a:ext>
+            </a:extLst>
+          </p:cNvPr>
+          <p:cNvSpPr txBox="1"/>
+          <p:nvPr/>
+        </p:nvSpPr>
+        <p:spPr>
+          <a:xfrm>
+            <a:off x="1185529" y="3133096"/>
+            <a:ext cx="2146742" cy="1323439"/>
+          </a:xfrm>
+          <a:prstGeom prst="rect">
+            <a:avLst/>
+          </a:prstGeom>
+          <a:noFill/>
+        </p:spPr>
+        <p:txBody>
+          <a:bodyPr wrap="none" rtlCol="0">
+            <a:spAutoFit/>
+          </a:bodyPr>
+          <a:lstStyle/>
+          <a:p>
+            <a:r>
+              <a:rPr lang="en-US" altLang="ko-KR" sz="2000" spc="-150">
+                <a:solidFill>
+                  <a:schemeClr val="bg1"/>
+                </a:solidFill>
+                <a:latin typeface="AppleSDGothicNeoB00" panose="02000503000000000000" pitchFamily="2" charset="-127"/>
+                <a:ea typeface="AppleSDGothicNeoB00" panose="02000503000000000000" pitchFamily="2" charset="-127"/>
+                <a:cs typeface="Pretendard Black" panose="02000A03000000020004" pitchFamily="50" charset="-127"/>
+              </a:rPr>
+              <a:t>While </a:t>
+            </a:r>
+            <a:r>
+              <a:rPr lang="ko-KR" altLang="en-US" sz="2000" spc="-150">
+                <a:solidFill>
+                  <a:schemeClr val="bg1"/>
+                </a:solidFill>
+                <a:latin typeface="AppleSDGothicNeoB00" panose="02000503000000000000" pitchFamily="2" charset="-127"/>
+                <a:ea typeface="AppleSDGothicNeoB00" panose="02000503000000000000" pitchFamily="2" charset="-127"/>
+                <a:cs typeface="Pretendard Black" panose="02000A03000000020004" pitchFamily="50" charset="-127"/>
+              </a:rPr>
+              <a:t>문으로 </a:t>
             </a:r>
             <a:br>
-              <a:rPr lang="en-US" altLang="ko-KR"/>
+              <a:rPr lang="en-US" altLang="ko-KR" sz="2000" spc="-150">
+                <a:solidFill>
+                  <a:schemeClr val="bg1"/>
+                </a:solidFill>
+                <a:latin typeface="AppleSDGothicNeoB00" panose="02000503000000000000" pitchFamily="2" charset="-127"/>
+                <a:ea typeface="AppleSDGothicNeoB00" panose="02000503000000000000" pitchFamily="2" charset="-127"/>
+                <a:cs typeface="Pretendard Black" panose="02000A03000000020004" pitchFamily="50" charset="-127"/>
+              </a:rPr>
             </a:br>
             <a:r>
-              <a:rPr lang="en-US" altLang="ko-KR"/>
-              <a:t>(</a:t>
-            </a:r>
-            <a:r>
-              <a:rPr lang="ko-KR" altLang="en-US"/>
-              <a:t>다 완성되고 나서</a:t>
-            </a:r>
-            <a:r>
-              <a:rPr lang="en-US" altLang="ko-KR"/>
-              <a:t>) </a:t>
-            </a:r>
-            <a:endParaRPr lang="ko-KR" altLang="en-US"/>
-          </a:p>
-        </p:txBody>
-      </p:sp>
+              <a:rPr lang="ko-KR" altLang="en-US" sz="2000" spc="-150">
+                <a:solidFill>
+                  <a:schemeClr val="bg1"/>
+                </a:solidFill>
+                <a:latin typeface="AppleSDGothicNeoB00" panose="02000503000000000000" pitchFamily="2" charset="-127"/>
+                <a:ea typeface="AppleSDGothicNeoB00" panose="02000503000000000000" pitchFamily="2" charset="-127"/>
+                <a:cs typeface="Pretendard Black" panose="02000A03000000020004" pitchFamily="50" charset="-127"/>
+              </a:rPr>
+              <a:t>몬스터나 플레이어가 </a:t>
+            </a:r>
+            <a:br>
+              <a:rPr lang="en-US" altLang="ko-KR" sz="2000" spc="-150">
+                <a:solidFill>
+                  <a:schemeClr val="bg1"/>
+                </a:solidFill>
+                <a:latin typeface="AppleSDGothicNeoB00" panose="02000503000000000000" pitchFamily="2" charset="-127"/>
+                <a:ea typeface="AppleSDGothicNeoB00" panose="02000503000000000000" pitchFamily="2" charset="-127"/>
+                <a:cs typeface="Pretendard Black" panose="02000A03000000020004" pitchFamily="50" charset="-127"/>
+              </a:rPr>
+            </a:br>
+            <a:r>
+              <a:rPr lang="ko-KR" altLang="en-US" sz="2000" spc="-150">
+                <a:solidFill>
+                  <a:schemeClr val="bg1"/>
+                </a:solidFill>
+                <a:latin typeface="AppleSDGothicNeoB00" panose="02000503000000000000" pitchFamily="2" charset="-127"/>
+                <a:ea typeface="AppleSDGothicNeoB00" panose="02000503000000000000" pitchFamily="2" charset="-127"/>
+                <a:cs typeface="Pretendard Black" panose="02000A03000000020004" pitchFamily="50" charset="-127"/>
+              </a:rPr>
+              <a:t>전멸할 때까지 전투를 </a:t>
+            </a:r>
+            <a:br>
+              <a:rPr lang="en-US" altLang="ko-KR" sz="2000" spc="-150">
+                <a:solidFill>
+                  <a:schemeClr val="bg1"/>
+                </a:solidFill>
+                <a:latin typeface="AppleSDGothicNeoB00" panose="02000503000000000000" pitchFamily="2" charset="-127"/>
+                <a:ea typeface="AppleSDGothicNeoB00" panose="02000503000000000000" pitchFamily="2" charset="-127"/>
+                <a:cs typeface="Pretendard Black" panose="02000A03000000020004" pitchFamily="50" charset="-127"/>
+              </a:rPr>
+            </a:br>
+            <a:r>
+              <a:rPr lang="ko-KR" altLang="en-US" sz="2000" spc="-150">
+                <a:solidFill>
+                  <a:schemeClr val="bg1"/>
+                </a:solidFill>
+                <a:latin typeface="AppleSDGothicNeoB00" panose="02000503000000000000" pitchFamily="2" charset="-127"/>
+                <a:ea typeface="AppleSDGothicNeoB00" panose="02000503000000000000" pitchFamily="2" charset="-127"/>
+                <a:cs typeface="Pretendard Black" panose="02000A03000000020004" pitchFamily="50" charset="-127"/>
+              </a:rPr>
+              <a:t>반복해요</a:t>
+            </a:r>
+          </a:p>
+        </p:txBody>
+      </p:sp>
+      <p:sp>
+        <p:nvSpPr>
+          <p:cNvPr id="6" name="TextBox 5">
+            <a:extLst>
+              <a:ext uri="{FF2B5EF4-FFF2-40B4-BE49-F238E27FC236}">
+                <a16:creationId xmlns:a16="http://schemas.microsoft.com/office/drawing/2014/main" id="{66D086EB-0C52-1987-1F8D-A09E7FC4D2C8}"/>
+              </a:ext>
+            </a:extLst>
+          </p:cNvPr>
+          <p:cNvSpPr txBox="1"/>
+          <p:nvPr/>
+        </p:nvSpPr>
+        <p:spPr>
+          <a:xfrm>
+            <a:off x="1221133" y="852041"/>
+            <a:ext cx="1679229" cy="253916"/>
+          </a:xfrm>
+          <a:prstGeom prst="rect">
+            <a:avLst/>
+          </a:prstGeom>
+          <a:noFill/>
+        </p:spPr>
+        <p:txBody>
+          <a:bodyPr wrap="square" rtlCol="0">
+            <a:spAutoFit/>
+          </a:bodyPr>
+          <a:lstStyle/>
+          <a:p>
+            <a:pPr algn="ctr"/>
+            <a:r>
+              <a:rPr lang="en-US" altLang="ko-KR" sz="1050">
+                <a:solidFill>
+                  <a:schemeClr val="bg1"/>
+                </a:solidFill>
+                <a:latin typeface="Pretendard" panose="02000803000000020004" pitchFamily="50" charset="-127"/>
+                <a:ea typeface="Pretendard" panose="02000803000000020004" pitchFamily="50" charset="-127"/>
+                <a:cs typeface="Pretendard" panose="02000803000000020004" pitchFamily="50" charset="-127"/>
+              </a:rPr>
+              <a:t>&lt;</a:t>
+            </a:r>
+            <a:r>
+              <a:rPr lang="ko-KR" altLang="en-US" sz="1050">
+                <a:solidFill>
+                  <a:schemeClr val="bg1"/>
+                </a:solidFill>
+                <a:latin typeface="Pretendard" panose="02000803000000020004" pitchFamily="50" charset="-127"/>
+                <a:ea typeface="Pretendard" panose="02000803000000020004" pitchFamily="50" charset="-127"/>
+                <a:cs typeface="Pretendard" panose="02000803000000020004" pitchFamily="50" charset="-127"/>
+              </a:rPr>
+              <a:t>한끼줍쇼</a:t>
+            </a:r>
+            <a:r>
+              <a:rPr lang="en-US" altLang="ko-KR" sz="1050">
+                <a:solidFill>
+                  <a:schemeClr val="bg1"/>
+                </a:solidFill>
+                <a:latin typeface="Pretendard" panose="02000803000000020004" pitchFamily="50" charset="-127"/>
+                <a:ea typeface="Pretendard" panose="02000803000000020004" pitchFamily="50" charset="-127"/>
+                <a:cs typeface="Pretendard" panose="02000803000000020004" pitchFamily="50" charset="-127"/>
+              </a:rPr>
+              <a:t>&gt; </a:t>
+            </a:r>
+            <a:r>
+              <a:rPr lang="ko-KR" altLang="en-US" sz="1050">
+                <a:solidFill>
+                  <a:schemeClr val="bg1"/>
+                </a:solidFill>
+                <a:latin typeface="Pretendard" panose="02000803000000020004" pitchFamily="50" charset="-127"/>
+                <a:ea typeface="Pretendard" panose="02000803000000020004" pitchFamily="50" charset="-127"/>
+                <a:cs typeface="Pretendard" panose="02000803000000020004" pitchFamily="50" charset="-127"/>
+              </a:rPr>
+              <a:t>매니저님밥</a:t>
+            </a:r>
+            <a:r>
+              <a:rPr lang="en-US" altLang="ko-KR" sz="1050">
+                <a:solidFill>
+                  <a:schemeClr val="bg1"/>
+                </a:solidFill>
+                <a:latin typeface="Pretendard" panose="02000803000000020004" pitchFamily="50" charset="-127"/>
+                <a:ea typeface="Pretendard" panose="02000803000000020004" pitchFamily="50" charset="-127"/>
+                <a:cs typeface="Pretendard" panose="02000803000000020004" pitchFamily="50" charset="-127"/>
+              </a:rPr>
+              <a:t>4</a:t>
+            </a:r>
+            <a:r>
+              <a:rPr lang="ko-KR" altLang="en-US" sz="1050">
+                <a:solidFill>
+                  <a:schemeClr val="bg1"/>
+                </a:solidFill>
+                <a:latin typeface="Pretendard" panose="02000803000000020004" pitchFamily="50" charset="-127"/>
+                <a:ea typeface="Pretendard" panose="02000803000000020004" pitchFamily="50" charset="-127"/>
+                <a:cs typeface="Pretendard" panose="02000803000000020004" pitchFamily="50" charset="-127"/>
+              </a:rPr>
+              <a:t>조</a:t>
+            </a:r>
+            <a:endParaRPr lang="ko-KR" altLang="en-US" sz="1600" dirty="0">
+              <a:solidFill>
+                <a:schemeClr val="bg1"/>
+              </a:solidFill>
+              <a:latin typeface="Pretendard" panose="02000803000000020004" pitchFamily="50" charset="-127"/>
+              <a:ea typeface="Pretendard" panose="02000803000000020004" pitchFamily="50" charset="-127"/>
+              <a:cs typeface="Pretendard" panose="02000803000000020004" pitchFamily="50" charset="-127"/>
+            </a:endParaRPr>
+          </a:p>
+        </p:txBody>
+      </p:sp>
+      <p:pic>
+        <p:nvPicPr>
+          <p:cNvPr id="2" name="그림 1">
+            <a:extLst>
+              <a:ext uri="{FF2B5EF4-FFF2-40B4-BE49-F238E27FC236}">
+                <a16:creationId xmlns:a16="http://schemas.microsoft.com/office/drawing/2014/main" id="{A0FF49FB-C7A8-E54D-681A-B2A10511AC7D}"/>
+              </a:ext>
+            </a:extLst>
+          </p:cNvPr>
+          <p:cNvPicPr>
+            <a:picLocks noChangeAspect="1"/>
+          </p:cNvPicPr>
+          <p:nvPr/>
+        </p:nvPicPr>
+        <p:blipFill>
+          <a:blip r:embed="rId3"/>
+          <a:stretch>
+            <a:fillRect/>
+          </a:stretch>
+        </p:blipFill>
+        <p:spPr>
+          <a:xfrm>
+            <a:off x="4357972" y="2403415"/>
+            <a:ext cx="5800767" cy="3800503"/>
+          </a:xfrm>
+          <a:prstGeom prst="rect">
+            <a:avLst/>
+          </a:prstGeom>
+        </p:spPr>
+      </p:pic>
     </p:spTree>
     <p:extLst>
       <p:ext uri="{BB962C8B-B14F-4D97-AF65-F5344CB8AC3E}">
-        <p14:creationId xmlns:p14="http://schemas.microsoft.com/office/powerpoint/2010/main" val="4050988922"/>
+        <p14:creationId xmlns:p14="http://schemas.microsoft.com/office/powerpoint/2010/main" val="2291658346"/>
       </p:ext>
     </p:extLst>
   </p:cSld>
@@ -6473,6 +7399,1843 @@
 </file>
 
 <file path=ppt/slides/slide13.xml><?xml version="1.0" encoding="utf-8"?>
+<p:sld xmlns:a="http://schemas.openxmlformats.org/drawingml/2006/main" xmlns:r="http://schemas.openxmlformats.org/officeDocument/2006/relationships" xmlns:p="http://schemas.openxmlformats.org/presentationml/2006/main">
+  <p:cSld>
+    <p:bg>
+      <p:bgPr>
+        <a:solidFill>
+          <a:schemeClr val="tx1"/>
+        </a:solidFill>
+        <a:effectLst/>
+      </p:bgPr>
+    </p:bg>
+    <p:spTree>
+      <p:nvGrpSpPr>
+        <p:cNvPr id="1" name=""/>
+        <p:cNvGrpSpPr/>
+        <p:nvPr/>
+      </p:nvGrpSpPr>
+      <p:grpSpPr>
+        <a:xfrm>
+          <a:off x="0" y="0"/>
+          <a:ext cx="0" cy="0"/>
+          <a:chOff x="0" y="0"/>
+          <a:chExt cx="0" cy="0"/>
+        </a:xfrm>
+      </p:grpSpPr>
+      <p:sp>
+        <p:nvSpPr>
+          <p:cNvPr id="27" name="TextBox 26">
+            <a:extLst>
+              <a:ext uri="{FF2B5EF4-FFF2-40B4-BE49-F238E27FC236}">
+                <a16:creationId xmlns:a16="http://schemas.microsoft.com/office/drawing/2014/main" id="{76DFBF0E-FDF1-1F46-CC62-E837A6407A10}"/>
+              </a:ext>
+            </a:extLst>
+          </p:cNvPr>
+          <p:cNvSpPr txBox="1"/>
+          <p:nvPr/>
+        </p:nvSpPr>
+        <p:spPr>
+          <a:xfrm>
+            <a:off x="1185529" y="3133096"/>
+            <a:ext cx="2108269" cy="1015663"/>
+          </a:xfrm>
+          <a:prstGeom prst="rect">
+            <a:avLst/>
+          </a:prstGeom>
+          <a:noFill/>
+        </p:spPr>
+        <p:txBody>
+          <a:bodyPr wrap="none" rtlCol="0">
+            <a:spAutoFit/>
+          </a:bodyPr>
+          <a:lstStyle/>
+          <a:p>
+            <a:r>
+              <a:rPr lang="ko-KR" altLang="en-US" sz="2000" spc="-150">
+                <a:solidFill>
+                  <a:schemeClr val="bg1"/>
+                </a:solidFill>
+                <a:latin typeface="AppleSDGothicNeoB00" panose="02000503000000000000" pitchFamily="2" charset="-127"/>
+                <a:ea typeface="AppleSDGothicNeoB00" panose="02000503000000000000" pitchFamily="2" charset="-127"/>
+                <a:cs typeface="Pretendard Black" panose="02000A03000000020004" pitchFamily="50" charset="-127"/>
+              </a:rPr>
+              <a:t>퀘스트 </a:t>
+            </a:r>
+            <a:r>
+              <a:rPr lang="en-US" altLang="ko-KR" sz="2000" spc="-150">
+                <a:solidFill>
+                  <a:schemeClr val="bg1"/>
+                </a:solidFill>
+                <a:latin typeface="AppleSDGothicNeoB00" panose="02000503000000000000" pitchFamily="2" charset="-127"/>
+                <a:ea typeface="AppleSDGothicNeoB00" panose="02000503000000000000" pitchFamily="2" charset="-127"/>
+                <a:cs typeface="Pretendard Black" panose="02000A03000000020004" pitchFamily="50" charset="-127"/>
+              </a:rPr>
+              <a:t>UI</a:t>
+            </a:r>
+            <a:r>
+              <a:rPr lang="ko-KR" altLang="en-US" sz="2000" spc="-150">
+                <a:solidFill>
+                  <a:schemeClr val="bg1"/>
+                </a:solidFill>
+                <a:latin typeface="AppleSDGothicNeoB00" panose="02000503000000000000" pitchFamily="2" charset="-127"/>
+                <a:ea typeface="AppleSDGothicNeoB00" panose="02000503000000000000" pitchFamily="2" charset="-127"/>
+                <a:cs typeface="Pretendard Black" panose="02000A03000000020004" pitchFamily="50" charset="-127"/>
+              </a:rPr>
+              <a:t>에 진입하면</a:t>
+            </a:r>
+            <a:br>
+              <a:rPr lang="en-US" altLang="ko-KR" sz="2000" spc="-150">
+                <a:solidFill>
+                  <a:schemeClr val="bg1"/>
+                </a:solidFill>
+                <a:latin typeface="AppleSDGothicNeoB00" panose="02000503000000000000" pitchFamily="2" charset="-127"/>
+                <a:ea typeface="AppleSDGothicNeoB00" panose="02000503000000000000" pitchFamily="2" charset="-127"/>
+                <a:cs typeface="Pretendard Black" panose="02000A03000000020004" pitchFamily="50" charset="-127"/>
+              </a:rPr>
+            </a:br>
+            <a:r>
+              <a:rPr lang="ko-KR" altLang="en-US" sz="2000" spc="-150">
+                <a:solidFill>
+                  <a:schemeClr val="bg1"/>
+                </a:solidFill>
+                <a:latin typeface="AppleSDGothicNeoB00" panose="02000503000000000000" pitchFamily="2" charset="-127"/>
+                <a:ea typeface="AppleSDGothicNeoB00" panose="02000503000000000000" pitchFamily="2" charset="-127"/>
+                <a:cs typeface="Pretendard Black" panose="02000A03000000020004" pitchFamily="50" charset="-127"/>
+              </a:rPr>
+              <a:t>모든 퀘스트의 성공</a:t>
+            </a:r>
+            <a:br>
+              <a:rPr lang="en-US" altLang="ko-KR" sz="2000" spc="-150">
+                <a:solidFill>
+                  <a:schemeClr val="bg1"/>
+                </a:solidFill>
+                <a:latin typeface="AppleSDGothicNeoB00" panose="02000503000000000000" pitchFamily="2" charset="-127"/>
+                <a:ea typeface="AppleSDGothicNeoB00" panose="02000503000000000000" pitchFamily="2" charset="-127"/>
+                <a:cs typeface="Pretendard Black" panose="02000A03000000020004" pitchFamily="50" charset="-127"/>
+              </a:rPr>
+            </a:br>
+            <a:r>
+              <a:rPr lang="ko-KR" altLang="en-US" sz="2000" spc="-150">
+                <a:solidFill>
+                  <a:schemeClr val="bg1"/>
+                </a:solidFill>
+                <a:latin typeface="AppleSDGothicNeoB00" panose="02000503000000000000" pitchFamily="2" charset="-127"/>
+                <a:ea typeface="AppleSDGothicNeoB00" panose="02000503000000000000" pitchFamily="2" charset="-127"/>
+                <a:cs typeface="Pretendard Black" panose="02000A03000000020004" pitchFamily="50" charset="-127"/>
+              </a:rPr>
+              <a:t>여부를 체크해요</a:t>
+            </a:r>
+          </a:p>
+        </p:txBody>
+      </p:sp>
+      <p:sp>
+        <p:nvSpPr>
+          <p:cNvPr id="6" name="TextBox 5">
+            <a:extLst>
+              <a:ext uri="{FF2B5EF4-FFF2-40B4-BE49-F238E27FC236}">
+                <a16:creationId xmlns:a16="http://schemas.microsoft.com/office/drawing/2014/main" id="{66D086EB-0C52-1987-1F8D-A09E7FC4D2C8}"/>
+              </a:ext>
+            </a:extLst>
+          </p:cNvPr>
+          <p:cNvSpPr txBox="1"/>
+          <p:nvPr/>
+        </p:nvSpPr>
+        <p:spPr>
+          <a:xfrm>
+            <a:off x="1221133" y="852041"/>
+            <a:ext cx="1679229" cy="253916"/>
+          </a:xfrm>
+          <a:prstGeom prst="rect">
+            <a:avLst/>
+          </a:prstGeom>
+          <a:noFill/>
+        </p:spPr>
+        <p:txBody>
+          <a:bodyPr wrap="square" rtlCol="0">
+            <a:spAutoFit/>
+          </a:bodyPr>
+          <a:lstStyle/>
+          <a:p>
+            <a:pPr algn="ctr"/>
+            <a:r>
+              <a:rPr lang="en-US" altLang="ko-KR" sz="1050">
+                <a:solidFill>
+                  <a:schemeClr val="bg1"/>
+                </a:solidFill>
+                <a:latin typeface="Pretendard" panose="02000803000000020004" pitchFamily="50" charset="-127"/>
+                <a:ea typeface="Pretendard" panose="02000803000000020004" pitchFamily="50" charset="-127"/>
+                <a:cs typeface="Pretendard" panose="02000803000000020004" pitchFamily="50" charset="-127"/>
+              </a:rPr>
+              <a:t>&lt;</a:t>
+            </a:r>
+            <a:r>
+              <a:rPr lang="ko-KR" altLang="en-US" sz="1050">
+                <a:solidFill>
+                  <a:schemeClr val="bg1"/>
+                </a:solidFill>
+                <a:latin typeface="Pretendard" panose="02000803000000020004" pitchFamily="50" charset="-127"/>
+                <a:ea typeface="Pretendard" panose="02000803000000020004" pitchFamily="50" charset="-127"/>
+                <a:cs typeface="Pretendard" panose="02000803000000020004" pitchFamily="50" charset="-127"/>
+              </a:rPr>
+              <a:t>한끼줍쇼</a:t>
+            </a:r>
+            <a:r>
+              <a:rPr lang="en-US" altLang="ko-KR" sz="1050">
+                <a:solidFill>
+                  <a:schemeClr val="bg1"/>
+                </a:solidFill>
+                <a:latin typeface="Pretendard" panose="02000803000000020004" pitchFamily="50" charset="-127"/>
+                <a:ea typeface="Pretendard" panose="02000803000000020004" pitchFamily="50" charset="-127"/>
+                <a:cs typeface="Pretendard" panose="02000803000000020004" pitchFamily="50" charset="-127"/>
+              </a:rPr>
+              <a:t>&gt; </a:t>
+            </a:r>
+            <a:r>
+              <a:rPr lang="ko-KR" altLang="en-US" sz="1050">
+                <a:solidFill>
+                  <a:schemeClr val="bg1"/>
+                </a:solidFill>
+                <a:latin typeface="Pretendard" panose="02000803000000020004" pitchFamily="50" charset="-127"/>
+                <a:ea typeface="Pretendard" panose="02000803000000020004" pitchFamily="50" charset="-127"/>
+                <a:cs typeface="Pretendard" panose="02000803000000020004" pitchFamily="50" charset="-127"/>
+              </a:rPr>
+              <a:t>매니저님밥</a:t>
+            </a:r>
+            <a:r>
+              <a:rPr lang="en-US" altLang="ko-KR" sz="1050">
+                <a:solidFill>
+                  <a:schemeClr val="bg1"/>
+                </a:solidFill>
+                <a:latin typeface="Pretendard" panose="02000803000000020004" pitchFamily="50" charset="-127"/>
+                <a:ea typeface="Pretendard" panose="02000803000000020004" pitchFamily="50" charset="-127"/>
+                <a:cs typeface="Pretendard" panose="02000803000000020004" pitchFamily="50" charset="-127"/>
+              </a:rPr>
+              <a:t>4</a:t>
+            </a:r>
+            <a:r>
+              <a:rPr lang="ko-KR" altLang="en-US" sz="1050">
+                <a:solidFill>
+                  <a:schemeClr val="bg1"/>
+                </a:solidFill>
+                <a:latin typeface="Pretendard" panose="02000803000000020004" pitchFamily="50" charset="-127"/>
+                <a:ea typeface="Pretendard" panose="02000803000000020004" pitchFamily="50" charset="-127"/>
+                <a:cs typeface="Pretendard" panose="02000803000000020004" pitchFamily="50" charset="-127"/>
+              </a:rPr>
+              <a:t>조</a:t>
+            </a:r>
+            <a:endParaRPr lang="ko-KR" altLang="en-US" sz="1600" dirty="0">
+              <a:solidFill>
+                <a:schemeClr val="bg1"/>
+              </a:solidFill>
+              <a:latin typeface="Pretendard" panose="02000803000000020004" pitchFamily="50" charset="-127"/>
+              <a:ea typeface="Pretendard" panose="02000803000000020004" pitchFamily="50" charset="-127"/>
+              <a:cs typeface="Pretendard" panose="02000803000000020004" pitchFamily="50" charset="-127"/>
+            </a:endParaRPr>
+          </a:p>
+        </p:txBody>
+      </p:sp>
+      <p:sp>
+        <p:nvSpPr>
+          <p:cNvPr id="3" name="TextBox 2">
+            <a:extLst>
+              <a:ext uri="{FF2B5EF4-FFF2-40B4-BE49-F238E27FC236}">
+                <a16:creationId xmlns:a16="http://schemas.microsoft.com/office/drawing/2014/main" id="{7297BCDD-82E8-F0E4-384F-C059FDE96BC5}"/>
+              </a:ext>
+            </a:extLst>
+          </p:cNvPr>
+          <p:cNvSpPr txBox="1"/>
+          <p:nvPr/>
+        </p:nvSpPr>
+        <p:spPr>
+          <a:xfrm>
+            <a:off x="1153838" y="2403415"/>
+            <a:ext cx="2517036" cy="707886"/>
+          </a:xfrm>
+          <a:prstGeom prst="rect">
+            <a:avLst/>
+          </a:prstGeom>
+          <a:noFill/>
+        </p:spPr>
+        <p:txBody>
+          <a:bodyPr wrap="none" rtlCol="0">
+            <a:spAutoFit/>
+          </a:bodyPr>
+          <a:lstStyle/>
+          <a:p>
+            <a:r>
+              <a:rPr lang="ko-KR" altLang="en-US" sz="4000">
+                <a:solidFill>
+                  <a:schemeClr val="bg1"/>
+                </a:solidFill>
+                <a:latin typeface="Pretendard Black" panose="02000A03000000020004" pitchFamily="50" charset="-127"/>
+                <a:ea typeface="Pretendard Black" panose="02000A03000000020004" pitchFamily="50" charset="-127"/>
+                <a:cs typeface="Pretendard Black" panose="02000A03000000020004" pitchFamily="50" charset="-127"/>
+              </a:rPr>
+              <a:t>퀘스트 구현</a:t>
+            </a:r>
+          </a:p>
+        </p:txBody>
+      </p:sp>
+      <p:pic>
+        <p:nvPicPr>
+          <p:cNvPr id="5" name="그림 4" descr="텍스트, 스크린샷, 디스플레이, 소프트웨어이(가) 표시된 사진&#10;&#10;자동 생성된 설명">
+            <a:extLst>
+              <a:ext uri="{FF2B5EF4-FFF2-40B4-BE49-F238E27FC236}">
+                <a16:creationId xmlns:a16="http://schemas.microsoft.com/office/drawing/2014/main" id="{4DC466C5-270C-2E4B-E38A-545A2B1D3090}"/>
+              </a:ext>
+            </a:extLst>
+          </p:cNvPr>
+          <p:cNvPicPr>
+            <a:picLocks noChangeAspect="1"/>
+          </p:cNvPicPr>
+          <p:nvPr/>
+        </p:nvPicPr>
+        <p:blipFill>
+          <a:blip r:embed="rId3">
+            <a:extLst>
+              <a:ext uri="{28A0092B-C50C-407E-A947-70E740481C1C}">
+                <a14:useLocalDpi xmlns:a14="http://schemas.microsoft.com/office/drawing/2010/main" val="0"/>
+              </a:ext>
+            </a:extLst>
+          </a:blip>
+          <a:stretch>
+            <a:fillRect/>
+          </a:stretch>
+        </p:blipFill>
+        <p:spPr>
+          <a:xfrm>
+            <a:off x="4357972" y="2403415"/>
+            <a:ext cx="6773220" cy="4658375"/>
+          </a:xfrm>
+          <a:prstGeom prst="rect">
+            <a:avLst/>
+          </a:prstGeom>
+        </p:spPr>
+      </p:pic>
+      <p:sp>
+        <p:nvSpPr>
+          <p:cNvPr id="9" name="직사각형 8">
+            <a:extLst>
+              <a:ext uri="{FF2B5EF4-FFF2-40B4-BE49-F238E27FC236}">
+                <a16:creationId xmlns:a16="http://schemas.microsoft.com/office/drawing/2014/main" id="{474B73FD-E153-E48E-5803-E3F2F0850E8F}"/>
+              </a:ext>
+            </a:extLst>
+          </p:cNvPr>
+          <p:cNvSpPr/>
+          <p:nvPr/>
+        </p:nvSpPr>
+        <p:spPr>
+          <a:xfrm>
+            <a:off x="4949370" y="4732602"/>
+            <a:ext cx="3294743" cy="391886"/>
+          </a:xfrm>
+          <a:prstGeom prst="rect">
+            <a:avLst/>
+          </a:prstGeom>
+          <a:noFill/>
+          <a:ln>
+            <a:solidFill>
+              <a:schemeClr val="bg1"/>
+            </a:solidFill>
+          </a:ln>
+        </p:spPr>
+        <p:style>
+          <a:lnRef idx="2">
+            <a:schemeClr val="accent1">
+              <a:shade val="15000"/>
+            </a:schemeClr>
+          </a:lnRef>
+          <a:fillRef idx="1">
+            <a:schemeClr val="accent1"/>
+          </a:fillRef>
+          <a:effectRef idx="0">
+            <a:schemeClr val="accent1"/>
+          </a:effectRef>
+          <a:fontRef idx="minor">
+            <a:schemeClr val="lt1"/>
+          </a:fontRef>
+        </p:style>
+        <p:txBody>
+          <a:bodyPr rtlCol="0" anchor="ctr"/>
+          <a:lstStyle/>
+          <a:p>
+            <a:pPr algn="ctr"/>
+            <a:endParaRPr lang="ko-KR" altLang="en-US"/>
+          </a:p>
+        </p:txBody>
+      </p:sp>
+    </p:spTree>
+    <p:extLst>
+      <p:ext uri="{BB962C8B-B14F-4D97-AF65-F5344CB8AC3E}">
+        <p14:creationId xmlns:p14="http://schemas.microsoft.com/office/powerpoint/2010/main" val="984307316"/>
+      </p:ext>
+    </p:extLst>
+  </p:cSld>
+  <p:clrMapOvr>
+    <a:masterClrMapping/>
+  </p:clrMapOvr>
+  <p:timing>
+    <p:tnLst>
+      <p:par>
+        <p:cTn id="1" dur="indefinite" restart="never" nodeType="tmRoot">
+          <p:childTnLst>
+            <p:seq concurrent="1" nextAc="seek">
+              <p:cTn id="2" dur="indefinite" nodeType="mainSeq">
+                <p:childTnLst>
+                  <p:par>
+                    <p:cTn id="3" fill="hold">
+                      <p:stCondLst>
+                        <p:cond delay="indefinite"/>
+                      </p:stCondLst>
+                      <p:childTnLst>
+                        <p:par>
+                          <p:cTn id="4" fill="hold">
+                            <p:stCondLst>
+                              <p:cond delay="0"/>
+                            </p:stCondLst>
+                            <p:childTnLst>
+                              <p:par>
+                                <p:cTn id="5" presetID="22" presetClass="entr" presetSubtype="8" fill="hold" grpId="0" nodeType="clickEffect">
+                                  <p:stCondLst>
+                                    <p:cond delay="0"/>
+                                  </p:stCondLst>
+                                  <p:childTnLst>
+                                    <p:set>
+                                      <p:cBhvr>
+                                        <p:cTn id="6" dur="1" fill="hold">
+                                          <p:stCondLst>
+                                            <p:cond delay="0"/>
+                                          </p:stCondLst>
+                                        </p:cTn>
+                                        <p:tgtEl>
+                                          <p:spTgt spid="9"/>
+                                        </p:tgtEl>
+                                        <p:attrNameLst>
+                                          <p:attrName>style.visibility</p:attrName>
+                                        </p:attrNameLst>
+                                      </p:cBhvr>
+                                      <p:to>
+                                        <p:strVal val="visible"/>
+                                      </p:to>
+                                    </p:set>
+                                    <p:animEffect transition="in" filter="wipe(left)">
+                                      <p:cBhvr>
+                                        <p:cTn id="7" dur="500"/>
+                                        <p:tgtEl>
+                                          <p:spTgt spid="9"/>
+                                        </p:tgtEl>
+                                      </p:cBhvr>
+                                    </p:animEffect>
+                                  </p:childTnLst>
+                                </p:cTn>
+                              </p:par>
+                            </p:childTnLst>
+                          </p:cTn>
+                        </p:par>
+                      </p:childTnLst>
+                    </p:cTn>
+                  </p:par>
+                </p:childTnLst>
+              </p:cTn>
+              <p:prevCondLst>
+                <p:cond evt="onPrev" delay="0">
+                  <p:tgtEl>
+                    <p:sldTgt/>
+                  </p:tgtEl>
+                </p:cond>
+              </p:prevCondLst>
+              <p:nextCondLst>
+                <p:cond evt="onNext" delay="0">
+                  <p:tgtEl>
+                    <p:sldTgt/>
+                  </p:tgtEl>
+                </p:cond>
+              </p:nextCondLst>
+            </p:seq>
+          </p:childTnLst>
+        </p:cTn>
+      </p:par>
+    </p:tnLst>
+    <p:bldLst>
+      <p:bldP spid="9" grpId="0" animBg="1"/>
+    </p:bldLst>
+  </p:timing>
+</p:sld>
+</file>
+
+<file path=ppt/slides/slide14.xml><?xml version="1.0" encoding="utf-8"?>
+<p:sld xmlns:a="http://schemas.openxmlformats.org/drawingml/2006/main" xmlns:r="http://schemas.openxmlformats.org/officeDocument/2006/relationships" xmlns:p="http://schemas.openxmlformats.org/presentationml/2006/main">
+  <p:cSld>
+    <p:bg>
+      <p:bgPr>
+        <a:solidFill>
+          <a:schemeClr val="tx1"/>
+        </a:solidFill>
+        <a:effectLst/>
+      </p:bgPr>
+    </p:bg>
+    <p:spTree>
+      <p:nvGrpSpPr>
+        <p:cNvPr id="1" name=""/>
+        <p:cNvGrpSpPr/>
+        <p:nvPr/>
+      </p:nvGrpSpPr>
+      <p:grpSpPr>
+        <a:xfrm>
+          <a:off x="0" y="0"/>
+          <a:ext cx="0" cy="0"/>
+          <a:chOff x="0" y="0"/>
+          <a:chExt cx="0" cy="0"/>
+        </a:xfrm>
+      </p:grpSpPr>
+      <p:sp>
+        <p:nvSpPr>
+          <p:cNvPr id="27" name="TextBox 26">
+            <a:extLst>
+              <a:ext uri="{FF2B5EF4-FFF2-40B4-BE49-F238E27FC236}">
+                <a16:creationId xmlns:a16="http://schemas.microsoft.com/office/drawing/2014/main" id="{76DFBF0E-FDF1-1F46-CC62-E837A6407A10}"/>
+              </a:ext>
+            </a:extLst>
+          </p:cNvPr>
+          <p:cNvSpPr txBox="1"/>
+          <p:nvPr/>
+        </p:nvSpPr>
+        <p:spPr>
+          <a:xfrm>
+            <a:off x="1185529" y="3133096"/>
+            <a:ext cx="2420856" cy="1015663"/>
+          </a:xfrm>
+          <a:prstGeom prst="rect">
+            <a:avLst/>
+          </a:prstGeom>
+          <a:noFill/>
+        </p:spPr>
+        <p:txBody>
+          <a:bodyPr wrap="none" rtlCol="0">
+            <a:spAutoFit/>
+          </a:bodyPr>
+          <a:lstStyle/>
+          <a:p>
+            <a:r>
+              <a:rPr lang="ko-KR" altLang="en-US" sz="2000" spc="-150">
+                <a:solidFill>
+                  <a:schemeClr val="bg1"/>
+                </a:solidFill>
+                <a:latin typeface="AppleSDGothicNeoB00" panose="02000503000000000000" pitchFamily="2" charset="-127"/>
+                <a:ea typeface="AppleSDGothicNeoB00" panose="02000503000000000000" pitchFamily="2" charset="-127"/>
+                <a:cs typeface="Pretendard Black" panose="02000A03000000020004" pitchFamily="50" charset="-127"/>
+              </a:rPr>
+              <a:t>퀘스트 목록 </a:t>
+            </a:r>
+            <a:r>
+              <a:rPr lang="en-US" altLang="ko-KR" sz="2000" spc="-150">
+                <a:solidFill>
+                  <a:schemeClr val="bg1"/>
+                </a:solidFill>
+                <a:latin typeface="AppleSDGothicNeoB00" panose="02000503000000000000" pitchFamily="2" charset="-127"/>
+                <a:ea typeface="AppleSDGothicNeoB00" panose="02000503000000000000" pitchFamily="2" charset="-127"/>
+                <a:cs typeface="Pretendard Black" panose="02000A03000000020004" pitchFamily="50" charset="-127"/>
+              </a:rPr>
+              <a:t>UI</a:t>
+            </a:r>
+            <a:r>
+              <a:rPr lang="ko-KR" altLang="en-US" sz="2000" spc="-150">
+                <a:solidFill>
+                  <a:schemeClr val="bg1"/>
+                </a:solidFill>
+                <a:latin typeface="AppleSDGothicNeoB00" panose="02000503000000000000" pitchFamily="2" charset="-127"/>
+                <a:ea typeface="AppleSDGothicNeoB00" panose="02000503000000000000" pitchFamily="2" charset="-127"/>
+                <a:cs typeface="Pretendard Black" panose="02000A03000000020004" pitchFamily="50" charset="-127"/>
+              </a:rPr>
+              <a:t>에서</a:t>
+            </a:r>
+            <a:br>
+              <a:rPr lang="en-US" altLang="ko-KR" sz="2000" spc="-150">
+                <a:solidFill>
+                  <a:schemeClr val="bg1"/>
+                </a:solidFill>
+                <a:latin typeface="AppleSDGothicNeoB00" panose="02000503000000000000" pitchFamily="2" charset="-127"/>
+                <a:ea typeface="AppleSDGothicNeoB00" panose="02000503000000000000" pitchFamily="2" charset="-127"/>
+                <a:cs typeface="Pretendard Black" panose="02000A03000000020004" pitchFamily="50" charset="-127"/>
+              </a:rPr>
+            </a:br>
+            <a:r>
+              <a:rPr lang="ko-KR" altLang="en-US" sz="2000" spc="-150">
+                <a:solidFill>
+                  <a:schemeClr val="bg1"/>
+                </a:solidFill>
+                <a:latin typeface="AppleSDGothicNeoB00" panose="02000503000000000000" pitchFamily="2" charset="-127"/>
+                <a:ea typeface="AppleSDGothicNeoB00" panose="02000503000000000000" pitchFamily="2" charset="-127"/>
+                <a:cs typeface="Pretendard Black" panose="02000A03000000020004" pitchFamily="50" charset="-127"/>
+              </a:rPr>
+              <a:t>미수락</a:t>
+            </a:r>
+            <a:r>
+              <a:rPr lang="en-US" altLang="ko-KR" sz="2000" spc="-150">
+                <a:solidFill>
+                  <a:schemeClr val="bg1"/>
+                </a:solidFill>
+                <a:latin typeface="AppleSDGothicNeoB00" panose="02000503000000000000" pitchFamily="2" charset="-127"/>
+                <a:ea typeface="AppleSDGothicNeoB00" panose="02000503000000000000" pitchFamily="2" charset="-127"/>
+                <a:cs typeface="Pretendard Black" panose="02000A03000000020004" pitchFamily="50" charset="-127"/>
+              </a:rPr>
+              <a:t>/</a:t>
+            </a:r>
+            <a:r>
+              <a:rPr lang="ko-KR" altLang="en-US" sz="2000" spc="-150">
+                <a:solidFill>
+                  <a:schemeClr val="bg1"/>
+                </a:solidFill>
+                <a:latin typeface="AppleSDGothicNeoB00" panose="02000503000000000000" pitchFamily="2" charset="-127"/>
+                <a:ea typeface="AppleSDGothicNeoB00" panose="02000503000000000000" pitchFamily="2" charset="-127"/>
+                <a:cs typeface="Pretendard Black" panose="02000A03000000020004" pitchFamily="50" charset="-127"/>
+              </a:rPr>
+              <a:t>진행중</a:t>
+            </a:r>
+            <a:r>
+              <a:rPr lang="en-US" altLang="ko-KR" sz="2000" spc="-150">
+                <a:solidFill>
+                  <a:schemeClr val="bg1"/>
+                </a:solidFill>
+                <a:latin typeface="AppleSDGothicNeoB00" panose="02000503000000000000" pitchFamily="2" charset="-127"/>
+                <a:ea typeface="AppleSDGothicNeoB00" panose="02000503000000000000" pitchFamily="2" charset="-127"/>
+                <a:cs typeface="Pretendard Black" panose="02000A03000000020004" pitchFamily="50" charset="-127"/>
+              </a:rPr>
+              <a:t>/</a:t>
+            </a:r>
+            <a:r>
+              <a:rPr lang="ko-KR" altLang="en-US" sz="2000" spc="-150">
+                <a:solidFill>
+                  <a:schemeClr val="bg1"/>
+                </a:solidFill>
+                <a:latin typeface="AppleSDGothicNeoB00" panose="02000503000000000000" pitchFamily="2" charset="-127"/>
+                <a:ea typeface="AppleSDGothicNeoB00" panose="02000503000000000000" pitchFamily="2" charset="-127"/>
+                <a:cs typeface="Pretendard Black" panose="02000A03000000020004" pitchFamily="50" charset="-127"/>
+              </a:rPr>
+              <a:t>보상</a:t>
+            </a:r>
+            <a:r>
+              <a:rPr lang="en-US" altLang="ko-KR" sz="2000" spc="-150">
+                <a:solidFill>
+                  <a:schemeClr val="bg1"/>
+                </a:solidFill>
+                <a:latin typeface="AppleSDGothicNeoB00" panose="02000503000000000000" pitchFamily="2" charset="-127"/>
+                <a:ea typeface="AppleSDGothicNeoB00" panose="02000503000000000000" pitchFamily="2" charset="-127"/>
+                <a:cs typeface="Pretendard Black" panose="02000A03000000020004" pitchFamily="50" charset="-127"/>
+              </a:rPr>
+              <a:t>/</a:t>
+            </a:r>
+            <a:r>
+              <a:rPr lang="ko-KR" altLang="en-US" sz="2000" spc="-150">
+                <a:solidFill>
+                  <a:schemeClr val="bg1"/>
+                </a:solidFill>
+                <a:latin typeface="AppleSDGothicNeoB00" panose="02000503000000000000" pitchFamily="2" charset="-127"/>
+                <a:ea typeface="AppleSDGothicNeoB00" panose="02000503000000000000" pitchFamily="2" charset="-127"/>
+                <a:cs typeface="Pretendard Black" panose="02000A03000000020004" pitchFamily="50" charset="-127"/>
+              </a:rPr>
+              <a:t>완료</a:t>
+            </a:r>
+            <a:br>
+              <a:rPr lang="en-US" altLang="ko-KR" sz="2000" spc="-150">
+                <a:solidFill>
+                  <a:schemeClr val="bg1"/>
+                </a:solidFill>
+                <a:latin typeface="AppleSDGothicNeoB00" panose="02000503000000000000" pitchFamily="2" charset="-127"/>
+                <a:ea typeface="AppleSDGothicNeoB00" panose="02000503000000000000" pitchFamily="2" charset="-127"/>
+                <a:cs typeface="Pretendard Black" panose="02000A03000000020004" pitchFamily="50" charset="-127"/>
+              </a:rPr>
+            </a:br>
+            <a:r>
+              <a:rPr lang="ko-KR" altLang="en-US" sz="2000" spc="-150">
+                <a:solidFill>
+                  <a:schemeClr val="bg1"/>
+                </a:solidFill>
+                <a:latin typeface="AppleSDGothicNeoB00" panose="02000503000000000000" pitchFamily="2" charset="-127"/>
+                <a:ea typeface="AppleSDGothicNeoB00" panose="02000503000000000000" pitchFamily="2" charset="-127"/>
+                <a:cs typeface="Pretendard Black" panose="02000A03000000020004" pitchFamily="50" charset="-127"/>
+              </a:rPr>
+              <a:t>상태로 나눠서 표시해요</a:t>
+            </a:r>
+          </a:p>
+        </p:txBody>
+      </p:sp>
+      <p:sp>
+        <p:nvSpPr>
+          <p:cNvPr id="6" name="TextBox 5">
+            <a:extLst>
+              <a:ext uri="{FF2B5EF4-FFF2-40B4-BE49-F238E27FC236}">
+                <a16:creationId xmlns:a16="http://schemas.microsoft.com/office/drawing/2014/main" id="{66D086EB-0C52-1987-1F8D-A09E7FC4D2C8}"/>
+              </a:ext>
+            </a:extLst>
+          </p:cNvPr>
+          <p:cNvSpPr txBox="1"/>
+          <p:nvPr/>
+        </p:nvSpPr>
+        <p:spPr>
+          <a:xfrm>
+            <a:off x="1221133" y="852041"/>
+            <a:ext cx="1679229" cy="253916"/>
+          </a:xfrm>
+          <a:prstGeom prst="rect">
+            <a:avLst/>
+          </a:prstGeom>
+          <a:noFill/>
+        </p:spPr>
+        <p:txBody>
+          <a:bodyPr wrap="square" rtlCol="0">
+            <a:spAutoFit/>
+          </a:bodyPr>
+          <a:lstStyle/>
+          <a:p>
+            <a:pPr algn="ctr"/>
+            <a:r>
+              <a:rPr lang="en-US" altLang="ko-KR" sz="1050">
+                <a:solidFill>
+                  <a:schemeClr val="bg1"/>
+                </a:solidFill>
+                <a:latin typeface="Pretendard" panose="02000803000000020004" pitchFamily="50" charset="-127"/>
+                <a:ea typeface="Pretendard" panose="02000803000000020004" pitchFamily="50" charset="-127"/>
+                <a:cs typeface="Pretendard" panose="02000803000000020004" pitchFamily="50" charset="-127"/>
+              </a:rPr>
+              <a:t>&lt;</a:t>
+            </a:r>
+            <a:r>
+              <a:rPr lang="ko-KR" altLang="en-US" sz="1050">
+                <a:solidFill>
+                  <a:schemeClr val="bg1"/>
+                </a:solidFill>
+                <a:latin typeface="Pretendard" panose="02000803000000020004" pitchFamily="50" charset="-127"/>
+                <a:ea typeface="Pretendard" panose="02000803000000020004" pitchFamily="50" charset="-127"/>
+                <a:cs typeface="Pretendard" panose="02000803000000020004" pitchFamily="50" charset="-127"/>
+              </a:rPr>
+              <a:t>한끼줍쇼</a:t>
+            </a:r>
+            <a:r>
+              <a:rPr lang="en-US" altLang="ko-KR" sz="1050">
+                <a:solidFill>
+                  <a:schemeClr val="bg1"/>
+                </a:solidFill>
+                <a:latin typeface="Pretendard" panose="02000803000000020004" pitchFamily="50" charset="-127"/>
+                <a:ea typeface="Pretendard" panose="02000803000000020004" pitchFamily="50" charset="-127"/>
+                <a:cs typeface="Pretendard" panose="02000803000000020004" pitchFamily="50" charset="-127"/>
+              </a:rPr>
+              <a:t>&gt; </a:t>
+            </a:r>
+            <a:r>
+              <a:rPr lang="ko-KR" altLang="en-US" sz="1050">
+                <a:solidFill>
+                  <a:schemeClr val="bg1"/>
+                </a:solidFill>
+                <a:latin typeface="Pretendard" panose="02000803000000020004" pitchFamily="50" charset="-127"/>
+                <a:ea typeface="Pretendard" panose="02000803000000020004" pitchFamily="50" charset="-127"/>
+                <a:cs typeface="Pretendard" panose="02000803000000020004" pitchFamily="50" charset="-127"/>
+              </a:rPr>
+              <a:t>매니저님밥</a:t>
+            </a:r>
+            <a:r>
+              <a:rPr lang="en-US" altLang="ko-KR" sz="1050">
+                <a:solidFill>
+                  <a:schemeClr val="bg1"/>
+                </a:solidFill>
+                <a:latin typeface="Pretendard" panose="02000803000000020004" pitchFamily="50" charset="-127"/>
+                <a:ea typeface="Pretendard" panose="02000803000000020004" pitchFamily="50" charset="-127"/>
+                <a:cs typeface="Pretendard" panose="02000803000000020004" pitchFamily="50" charset="-127"/>
+              </a:rPr>
+              <a:t>4</a:t>
+            </a:r>
+            <a:r>
+              <a:rPr lang="ko-KR" altLang="en-US" sz="1050">
+                <a:solidFill>
+                  <a:schemeClr val="bg1"/>
+                </a:solidFill>
+                <a:latin typeface="Pretendard" panose="02000803000000020004" pitchFamily="50" charset="-127"/>
+                <a:ea typeface="Pretendard" panose="02000803000000020004" pitchFamily="50" charset="-127"/>
+                <a:cs typeface="Pretendard" panose="02000803000000020004" pitchFamily="50" charset="-127"/>
+              </a:rPr>
+              <a:t>조</a:t>
+            </a:r>
+            <a:endParaRPr lang="ko-KR" altLang="en-US" sz="1600" dirty="0">
+              <a:solidFill>
+                <a:schemeClr val="bg1"/>
+              </a:solidFill>
+              <a:latin typeface="Pretendard" panose="02000803000000020004" pitchFamily="50" charset="-127"/>
+              <a:ea typeface="Pretendard" panose="02000803000000020004" pitchFamily="50" charset="-127"/>
+              <a:cs typeface="Pretendard" panose="02000803000000020004" pitchFamily="50" charset="-127"/>
+            </a:endParaRPr>
+          </a:p>
+        </p:txBody>
+      </p:sp>
+      <p:sp>
+        <p:nvSpPr>
+          <p:cNvPr id="3" name="TextBox 2">
+            <a:extLst>
+              <a:ext uri="{FF2B5EF4-FFF2-40B4-BE49-F238E27FC236}">
+                <a16:creationId xmlns:a16="http://schemas.microsoft.com/office/drawing/2014/main" id="{2260E72F-1382-9F7E-36B8-E7AD786CDE89}"/>
+              </a:ext>
+            </a:extLst>
+          </p:cNvPr>
+          <p:cNvSpPr txBox="1"/>
+          <p:nvPr/>
+        </p:nvSpPr>
+        <p:spPr>
+          <a:xfrm>
+            <a:off x="1153838" y="2403415"/>
+            <a:ext cx="2517036" cy="707886"/>
+          </a:xfrm>
+          <a:prstGeom prst="rect">
+            <a:avLst/>
+          </a:prstGeom>
+          <a:noFill/>
+        </p:spPr>
+        <p:txBody>
+          <a:bodyPr wrap="none" rtlCol="0">
+            <a:spAutoFit/>
+          </a:bodyPr>
+          <a:lstStyle/>
+          <a:p>
+            <a:r>
+              <a:rPr lang="ko-KR" altLang="en-US" sz="4000">
+                <a:solidFill>
+                  <a:schemeClr val="bg1"/>
+                </a:solidFill>
+                <a:latin typeface="Pretendard Black" panose="02000A03000000020004" pitchFamily="50" charset="-127"/>
+                <a:ea typeface="Pretendard Black" panose="02000A03000000020004" pitchFamily="50" charset="-127"/>
+                <a:cs typeface="Pretendard Black" panose="02000A03000000020004" pitchFamily="50" charset="-127"/>
+              </a:rPr>
+              <a:t>퀘스트 구현</a:t>
+            </a:r>
+          </a:p>
+        </p:txBody>
+      </p:sp>
+      <p:pic>
+        <p:nvPicPr>
+          <p:cNvPr id="5" name="그림 4" descr="텍스트, 스크린샷, 소프트웨어이(가) 표시된 사진&#10;&#10;자동 생성된 설명">
+            <a:extLst>
+              <a:ext uri="{FF2B5EF4-FFF2-40B4-BE49-F238E27FC236}">
+                <a16:creationId xmlns:a16="http://schemas.microsoft.com/office/drawing/2014/main" id="{3996B707-7341-8CF7-B30F-97B24D51E76C}"/>
+              </a:ext>
+            </a:extLst>
+          </p:cNvPr>
+          <p:cNvPicPr>
+            <a:picLocks noChangeAspect="1"/>
+          </p:cNvPicPr>
+          <p:nvPr/>
+        </p:nvPicPr>
+        <p:blipFill>
+          <a:blip r:embed="rId3">
+            <a:extLst>
+              <a:ext uri="{28A0092B-C50C-407E-A947-70E740481C1C}">
+                <a14:useLocalDpi xmlns:a14="http://schemas.microsoft.com/office/drawing/2010/main" val="0"/>
+              </a:ext>
+            </a:extLst>
+          </a:blip>
+          <a:srcRect t="3959" b="19406"/>
+          <a:stretch/>
+        </p:blipFill>
+        <p:spPr>
+          <a:xfrm>
+            <a:off x="4462769" y="2403415"/>
+            <a:ext cx="6925642" cy="4891316"/>
+          </a:xfrm>
+          <a:prstGeom prst="rect">
+            <a:avLst/>
+          </a:prstGeom>
+        </p:spPr>
+      </p:pic>
+    </p:spTree>
+    <p:extLst>
+      <p:ext uri="{BB962C8B-B14F-4D97-AF65-F5344CB8AC3E}">
+        <p14:creationId xmlns:p14="http://schemas.microsoft.com/office/powerpoint/2010/main" val="2620916370"/>
+      </p:ext>
+    </p:extLst>
+  </p:cSld>
+  <p:clrMapOvr>
+    <a:masterClrMapping/>
+  </p:clrMapOvr>
+</p:sld>
+</file>
+
+<file path=ppt/slides/slide15.xml><?xml version="1.0" encoding="utf-8"?>
+<p:sld xmlns:a="http://schemas.openxmlformats.org/drawingml/2006/main" xmlns:r="http://schemas.openxmlformats.org/officeDocument/2006/relationships" xmlns:p="http://schemas.openxmlformats.org/presentationml/2006/main">
+  <p:cSld>
+    <p:bg>
+      <p:bgPr>
+        <a:solidFill>
+          <a:schemeClr val="tx1"/>
+        </a:solidFill>
+        <a:effectLst/>
+      </p:bgPr>
+    </p:bg>
+    <p:spTree>
+      <p:nvGrpSpPr>
+        <p:cNvPr id="1" name=""/>
+        <p:cNvGrpSpPr/>
+        <p:nvPr/>
+      </p:nvGrpSpPr>
+      <p:grpSpPr>
+        <a:xfrm>
+          <a:off x="0" y="0"/>
+          <a:ext cx="0" cy="0"/>
+          <a:chOff x="0" y="0"/>
+          <a:chExt cx="0" cy="0"/>
+        </a:xfrm>
+      </p:grpSpPr>
+      <p:sp>
+        <p:nvSpPr>
+          <p:cNvPr id="7" name="TextBox 6">
+            <a:extLst>
+              <a:ext uri="{FF2B5EF4-FFF2-40B4-BE49-F238E27FC236}">
+                <a16:creationId xmlns:a16="http://schemas.microsoft.com/office/drawing/2014/main" id="{57D789ED-E9F7-24E6-F755-AB0AE85FD0A2}"/>
+              </a:ext>
+            </a:extLst>
+          </p:cNvPr>
+          <p:cNvSpPr txBox="1"/>
+          <p:nvPr/>
+        </p:nvSpPr>
+        <p:spPr>
+          <a:xfrm>
+            <a:off x="1153838" y="2403415"/>
+            <a:ext cx="2517036" cy="707886"/>
+          </a:xfrm>
+          <a:prstGeom prst="rect">
+            <a:avLst/>
+          </a:prstGeom>
+          <a:noFill/>
+        </p:spPr>
+        <p:txBody>
+          <a:bodyPr wrap="none" rtlCol="0">
+            <a:spAutoFit/>
+          </a:bodyPr>
+          <a:lstStyle/>
+          <a:p>
+            <a:r>
+              <a:rPr lang="ko-KR" altLang="en-US" sz="4000">
+                <a:solidFill>
+                  <a:schemeClr val="bg1"/>
+                </a:solidFill>
+                <a:latin typeface="Pretendard Black" panose="02000A03000000020004" pitchFamily="50" charset="-127"/>
+                <a:ea typeface="Pretendard Black" panose="02000A03000000020004" pitchFamily="50" charset="-127"/>
+                <a:cs typeface="Pretendard Black" panose="02000A03000000020004" pitchFamily="50" charset="-127"/>
+              </a:rPr>
+              <a:t>퀘스트 구현</a:t>
+            </a:r>
+          </a:p>
+        </p:txBody>
+      </p:sp>
+      <p:sp>
+        <p:nvSpPr>
+          <p:cNvPr id="27" name="TextBox 26">
+            <a:extLst>
+              <a:ext uri="{FF2B5EF4-FFF2-40B4-BE49-F238E27FC236}">
+                <a16:creationId xmlns:a16="http://schemas.microsoft.com/office/drawing/2014/main" id="{76DFBF0E-FDF1-1F46-CC62-E837A6407A10}"/>
+              </a:ext>
+            </a:extLst>
+          </p:cNvPr>
+          <p:cNvSpPr txBox="1"/>
+          <p:nvPr/>
+        </p:nvSpPr>
+        <p:spPr>
+          <a:xfrm>
+            <a:off x="1185529" y="3133096"/>
+            <a:ext cx="2146742" cy="1323439"/>
+          </a:xfrm>
+          <a:prstGeom prst="rect">
+            <a:avLst/>
+          </a:prstGeom>
+          <a:noFill/>
+        </p:spPr>
+        <p:txBody>
+          <a:bodyPr wrap="none" rtlCol="0">
+            <a:spAutoFit/>
+          </a:bodyPr>
+          <a:lstStyle/>
+          <a:p>
+            <a:r>
+              <a:rPr lang="en-US" altLang="ko-KR" sz="2000" spc="-150">
+                <a:solidFill>
+                  <a:schemeClr val="bg1"/>
+                </a:solidFill>
+                <a:latin typeface="AppleSDGothicNeoB00" panose="02000503000000000000" pitchFamily="2" charset="-127"/>
+                <a:ea typeface="AppleSDGothicNeoB00" panose="02000503000000000000" pitchFamily="2" charset="-127"/>
+                <a:cs typeface="Pretendard Black" panose="02000A03000000020004" pitchFamily="50" charset="-127"/>
+              </a:rPr>
+              <a:t>While </a:t>
+            </a:r>
+            <a:r>
+              <a:rPr lang="ko-KR" altLang="en-US" sz="2000" spc="-150">
+                <a:solidFill>
+                  <a:schemeClr val="bg1"/>
+                </a:solidFill>
+                <a:latin typeface="AppleSDGothicNeoB00" panose="02000503000000000000" pitchFamily="2" charset="-127"/>
+                <a:ea typeface="AppleSDGothicNeoB00" panose="02000503000000000000" pitchFamily="2" charset="-127"/>
+                <a:cs typeface="Pretendard Black" panose="02000A03000000020004" pitchFamily="50" charset="-127"/>
+              </a:rPr>
+              <a:t>문으로 </a:t>
+            </a:r>
+            <a:br>
+              <a:rPr lang="en-US" altLang="ko-KR" sz="2000" spc="-150">
+                <a:solidFill>
+                  <a:schemeClr val="bg1"/>
+                </a:solidFill>
+                <a:latin typeface="AppleSDGothicNeoB00" panose="02000503000000000000" pitchFamily="2" charset="-127"/>
+                <a:ea typeface="AppleSDGothicNeoB00" panose="02000503000000000000" pitchFamily="2" charset="-127"/>
+                <a:cs typeface="Pretendard Black" panose="02000A03000000020004" pitchFamily="50" charset="-127"/>
+              </a:rPr>
+            </a:br>
+            <a:r>
+              <a:rPr lang="ko-KR" altLang="en-US" sz="2000" spc="-150">
+                <a:solidFill>
+                  <a:schemeClr val="bg1"/>
+                </a:solidFill>
+                <a:latin typeface="AppleSDGothicNeoB00" panose="02000503000000000000" pitchFamily="2" charset="-127"/>
+                <a:ea typeface="AppleSDGothicNeoB00" panose="02000503000000000000" pitchFamily="2" charset="-127"/>
+                <a:cs typeface="Pretendard Black" panose="02000A03000000020004" pitchFamily="50" charset="-127"/>
+              </a:rPr>
+              <a:t>몬스터나 플레이어가 </a:t>
+            </a:r>
+            <a:br>
+              <a:rPr lang="en-US" altLang="ko-KR" sz="2000" spc="-150">
+                <a:solidFill>
+                  <a:schemeClr val="bg1"/>
+                </a:solidFill>
+                <a:latin typeface="AppleSDGothicNeoB00" panose="02000503000000000000" pitchFamily="2" charset="-127"/>
+                <a:ea typeface="AppleSDGothicNeoB00" panose="02000503000000000000" pitchFamily="2" charset="-127"/>
+                <a:cs typeface="Pretendard Black" panose="02000A03000000020004" pitchFamily="50" charset="-127"/>
+              </a:rPr>
+            </a:br>
+            <a:r>
+              <a:rPr lang="ko-KR" altLang="en-US" sz="2000" spc="-150">
+                <a:solidFill>
+                  <a:schemeClr val="bg1"/>
+                </a:solidFill>
+                <a:latin typeface="AppleSDGothicNeoB00" panose="02000503000000000000" pitchFamily="2" charset="-127"/>
+                <a:ea typeface="AppleSDGothicNeoB00" panose="02000503000000000000" pitchFamily="2" charset="-127"/>
+                <a:cs typeface="Pretendard Black" panose="02000A03000000020004" pitchFamily="50" charset="-127"/>
+              </a:rPr>
+              <a:t>전멸할 때까지 전투를 </a:t>
+            </a:r>
+            <a:br>
+              <a:rPr lang="en-US" altLang="ko-KR" sz="2000" spc="-150">
+                <a:solidFill>
+                  <a:schemeClr val="bg1"/>
+                </a:solidFill>
+                <a:latin typeface="AppleSDGothicNeoB00" panose="02000503000000000000" pitchFamily="2" charset="-127"/>
+                <a:ea typeface="AppleSDGothicNeoB00" panose="02000503000000000000" pitchFamily="2" charset="-127"/>
+                <a:cs typeface="Pretendard Black" panose="02000A03000000020004" pitchFamily="50" charset="-127"/>
+              </a:rPr>
+            </a:br>
+            <a:r>
+              <a:rPr lang="ko-KR" altLang="en-US" sz="2000" spc="-150">
+                <a:solidFill>
+                  <a:schemeClr val="bg1"/>
+                </a:solidFill>
+                <a:latin typeface="AppleSDGothicNeoB00" panose="02000503000000000000" pitchFamily="2" charset="-127"/>
+                <a:ea typeface="AppleSDGothicNeoB00" panose="02000503000000000000" pitchFamily="2" charset="-127"/>
+                <a:cs typeface="Pretendard Black" panose="02000A03000000020004" pitchFamily="50" charset="-127"/>
+              </a:rPr>
+              <a:t>반복해요</a:t>
+            </a:r>
+          </a:p>
+        </p:txBody>
+      </p:sp>
+      <p:sp>
+        <p:nvSpPr>
+          <p:cNvPr id="6" name="TextBox 5">
+            <a:extLst>
+              <a:ext uri="{FF2B5EF4-FFF2-40B4-BE49-F238E27FC236}">
+                <a16:creationId xmlns:a16="http://schemas.microsoft.com/office/drawing/2014/main" id="{66D086EB-0C52-1987-1F8D-A09E7FC4D2C8}"/>
+              </a:ext>
+            </a:extLst>
+          </p:cNvPr>
+          <p:cNvSpPr txBox="1"/>
+          <p:nvPr/>
+        </p:nvSpPr>
+        <p:spPr>
+          <a:xfrm>
+            <a:off x="1221133" y="852041"/>
+            <a:ext cx="1679229" cy="253916"/>
+          </a:xfrm>
+          <a:prstGeom prst="rect">
+            <a:avLst/>
+          </a:prstGeom>
+          <a:noFill/>
+        </p:spPr>
+        <p:txBody>
+          <a:bodyPr wrap="square" rtlCol="0">
+            <a:spAutoFit/>
+          </a:bodyPr>
+          <a:lstStyle/>
+          <a:p>
+            <a:pPr algn="ctr"/>
+            <a:r>
+              <a:rPr lang="en-US" altLang="ko-KR" sz="1050">
+                <a:solidFill>
+                  <a:schemeClr val="bg1"/>
+                </a:solidFill>
+                <a:latin typeface="Pretendard" panose="02000803000000020004" pitchFamily="50" charset="-127"/>
+                <a:ea typeface="Pretendard" panose="02000803000000020004" pitchFamily="50" charset="-127"/>
+                <a:cs typeface="Pretendard" panose="02000803000000020004" pitchFamily="50" charset="-127"/>
+              </a:rPr>
+              <a:t>&lt;</a:t>
+            </a:r>
+            <a:r>
+              <a:rPr lang="ko-KR" altLang="en-US" sz="1050">
+                <a:solidFill>
+                  <a:schemeClr val="bg1"/>
+                </a:solidFill>
+                <a:latin typeface="Pretendard" panose="02000803000000020004" pitchFamily="50" charset="-127"/>
+                <a:ea typeface="Pretendard" panose="02000803000000020004" pitchFamily="50" charset="-127"/>
+                <a:cs typeface="Pretendard" panose="02000803000000020004" pitchFamily="50" charset="-127"/>
+              </a:rPr>
+              <a:t>한끼줍쇼</a:t>
+            </a:r>
+            <a:r>
+              <a:rPr lang="en-US" altLang="ko-KR" sz="1050">
+                <a:solidFill>
+                  <a:schemeClr val="bg1"/>
+                </a:solidFill>
+                <a:latin typeface="Pretendard" panose="02000803000000020004" pitchFamily="50" charset="-127"/>
+                <a:ea typeface="Pretendard" panose="02000803000000020004" pitchFamily="50" charset="-127"/>
+                <a:cs typeface="Pretendard" panose="02000803000000020004" pitchFamily="50" charset="-127"/>
+              </a:rPr>
+              <a:t>&gt; </a:t>
+            </a:r>
+            <a:r>
+              <a:rPr lang="ko-KR" altLang="en-US" sz="1050">
+                <a:solidFill>
+                  <a:schemeClr val="bg1"/>
+                </a:solidFill>
+                <a:latin typeface="Pretendard" panose="02000803000000020004" pitchFamily="50" charset="-127"/>
+                <a:ea typeface="Pretendard" panose="02000803000000020004" pitchFamily="50" charset="-127"/>
+                <a:cs typeface="Pretendard" panose="02000803000000020004" pitchFamily="50" charset="-127"/>
+              </a:rPr>
+              <a:t>매니저님밥</a:t>
+            </a:r>
+            <a:r>
+              <a:rPr lang="en-US" altLang="ko-KR" sz="1050">
+                <a:solidFill>
+                  <a:schemeClr val="bg1"/>
+                </a:solidFill>
+                <a:latin typeface="Pretendard" panose="02000803000000020004" pitchFamily="50" charset="-127"/>
+                <a:ea typeface="Pretendard" panose="02000803000000020004" pitchFamily="50" charset="-127"/>
+                <a:cs typeface="Pretendard" panose="02000803000000020004" pitchFamily="50" charset="-127"/>
+              </a:rPr>
+              <a:t>4</a:t>
+            </a:r>
+            <a:r>
+              <a:rPr lang="ko-KR" altLang="en-US" sz="1050">
+                <a:solidFill>
+                  <a:schemeClr val="bg1"/>
+                </a:solidFill>
+                <a:latin typeface="Pretendard" panose="02000803000000020004" pitchFamily="50" charset="-127"/>
+                <a:ea typeface="Pretendard" panose="02000803000000020004" pitchFamily="50" charset="-127"/>
+                <a:cs typeface="Pretendard" panose="02000803000000020004" pitchFamily="50" charset="-127"/>
+              </a:rPr>
+              <a:t>조</a:t>
+            </a:r>
+            <a:endParaRPr lang="ko-KR" altLang="en-US" sz="1600" dirty="0">
+              <a:solidFill>
+                <a:schemeClr val="bg1"/>
+              </a:solidFill>
+              <a:latin typeface="Pretendard" panose="02000803000000020004" pitchFamily="50" charset="-127"/>
+              <a:ea typeface="Pretendard" panose="02000803000000020004" pitchFamily="50" charset="-127"/>
+              <a:cs typeface="Pretendard" panose="02000803000000020004" pitchFamily="50" charset="-127"/>
+            </a:endParaRPr>
+          </a:p>
+        </p:txBody>
+      </p:sp>
+    </p:spTree>
+    <p:extLst>
+      <p:ext uri="{BB962C8B-B14F-4D97-AF65-F5344CB8AC3E}">
+        <p14:creationId xmlns:p14="http://schemas.microsoft.com/office/powerpoint/2010/main" val="211481115"/>
+      </p:ext>
+    </p:extLst>
+  </p:cSld>
+  <p:clrMapOvr>
+    <a:masterClrMapping/>
+  </p:clrMapOvr>
+</p:sld>
+</file>
+
+<file path=ppt/slides/slide16.xml><?xml version="1.0" encoding="utf-8"?>
+<p:sld xmlns:a="http://schemas.openxmlformats.org/drawingml/2006/main" xmlns:r="http://schemas.openxmlformats.org/officeDocument/2006/relationships" xmlns:p="http://schemas.openxmlformats.org/presentationml/2006/main">
+  <p:cSld>
+    <p:bg>
+      <p:bgPr>
+        <a:solidFill>
+          <a:schemeClr val="tx1"/>
+        </a:solidFill>
+        <a:effectLst/>
+      </p:bgPr>
+    </p:bg>
+    <p:spTree>
+      <p:nvGrpSpPr>
+        <p:cNvPr id="1" name=""/>
+        <p:cNvGrpSpPr/>
+        <p:nvPr/>
+      </p:nvGrpSpPr>
+      <p:grpSpPr>
+        <a:xfrm>
+          <a:off x="0" y="0"/>
+          <a:ext cx="0" cy="0"/>
+          <a:chOff x="0" y="0"/>
+          <a:chExt cx="0" cy="0"/>
+        </a:xfrm>
+      </p:grpSpPr>
+      <p:sp>
+        <p:nvSpPr>
+          <p:cNvPr id="27" name="TextBox 26">
+            <a:extLst>
+              <a:ext uri="{FF2B5EF4-FFF2-40B4-BE49-F238E27FC236}">
+                <a16:creationId xmlns:a16="http://schemas.microsoft.com/office/drawing/2014/main" id="{76DFBF0E-FDF1-1F46-CC62-E837A6407A10}"/>
+              </a:ext>
+            </a:extLst>
+          </p:cNvPr>
+          <p:cNvSpPr txBox="1"/>
+          <p:nvPr/>
+        </p:nvSpPr>
+        <p:spPr>
+          <a:xfrm>
+            <a:off x="1185529" y="3133096"/>
+            <a:ext cx="2146742" cy="1323439"/>
+          </a:xfrm>
+          <a:prstGeom prst="rect">
+            <a:avLst/>
+          </a:prstGeom>
+          <a:noFill/>
+        </p:spPr>
+        <p:txBody>
+          <a:bodyPr wrap="none" rtlCol="0">
+            <a:spAutoFit/>
+          </a:bodyPr>
+          <a:lstStyle/>
+          <a:p>
+            <a:r>
+              <a:rPr lang="en-US" altLang="ko-KR" sz="2000" spc="-150">
+                <a:solidFill>
+                  <a:schemeClr val="bg1"/>
+                </a:solidFill>
+                <a:latin typeface="AppleSDGothicNeoB00" panose="02000503000000000000" pitchFamily="2" charset="-127"/>
+                <a:ea typeface="AppleSDGothicNeoB00" panose="02000503000000000000" pitchFamily="2" charset="-127"/>
+                <a:cs typeface="Pretendard Black" panose="02000A03000000020004" pitchFamily="50" charset="-127"/>
+              </a:rPr>
+              <a:t>While </a:t>
+            </a:r>
+            <a:r>
+              <a:rPr lang="ko-KR" altLang="en-US" sz="2000" spc="-150">
+                <a:solidFill>
+                  <a:schemeClr val="bg1"/>
+                </a:solidFill>
+                <a:latin typeface="AppleSDGothicNeoB00" panose="02000503000000000000" pitchFamily="2" charset="-127"/>
+                <a:ea typeface="AppleSDGothicNeoB00" panose="02000503000000000000" pitchFamily="2" charset="-127"/>
+                <a:cs typeface="Pretendard Black" panose="02000A03000000020004" pitchFamily="50" charset="-127"/>
+              </a:rPr>
+              <a:t>문으로 </a:t>
+            </a:r>
+            <a:br>
+              <a:rPr lang="en-US" altLang="ko-KR" sz="2000" spc="-150">
+                <a:solidFill>
+                  <a:schemeClr val="bg1"/>
+                </a:solidFill>
+                <a:latin typeface="AppleSDGothicNeoB00" panose="02000503000000000000" pitchFamily="2" charset="-127"/>
+                <a:ea typeface="AppleSDGothicNeoB00" panose="02000503000000000000" pitchFamily="2" charset="-127"/>
+                <a:cs typeface="Pretendard Black" panose="02000A03000000020004" pitchFamily="50" charset="-127"/>
+              </a:rPr>
+            </a:br>
+            <a:r>
+              <a:rPr lang="ko-KR" altLang="en-US" sz="2000" spc="-150">
+                <a:solidFill>
+                  <a:schemeClr val="bg1"/>
+                </a:solidFill>
+                <a:latin typeface="AppleSDGothicNeoB00" panose="02000503000000000000" pitchFamily="2" charset="-127"/>
+                <a:ea typeface="AppleSDGothicNeoB00" panose="02000503000000000000" pitchFamily="2" charset="-127"/>
+                <a:cs typeface="Pretendard Black" panose="02000A03000000020004" pitchFamily="50" charset="-127"/>
+              </a:rPr>
+              <a:t>몬스터나 플레이어가 </a:t>
+            </a:r>
+            <a:br>
+              <a:rPr lang="en-US" altLang="ko-KR" sz="2000" spc="-150">
+                <a:solidFill>
+                  <a:schemeClr val="bg1"/>
+                </a:solidFill>
+                <a:latin typeface="AppleSDGothicNeoB00" panose="02000503000000000000" pitchFamily="2" charset="-127"/>
+                <a:ea typeface="AppleSDGothicNeoB00" panose="02000503000000000000" pitchFamily="2" charset="-127"/>
+                <a:cs typeface="Pretendard Black" panose="02000A03000000020004" pitchFamily="50" charset="-127"/>
+              </a:rPr>
+            </a:br>
+            <a:r>
+              <a:rPr lang="ko-KR" altLang="en-US" sz="2000" spc="-150">
+                <a:solidFill>
+                  <a:schemeClr val="bg1"/>
+                </a:solidFill>
+                <a:latin typeface="AppleSDGothicNeoB00" panose="02000503000000000000" pitchFamily="2" charset="-127"/>
+                <a:ea typeface="AppleSDGothicNeoB00" panose="02000503000000000000" pitchFamily="2" charset="-127"/>
+                <a:cs typeface="Pretendard Black" panose="02000A03000000020004" pitchFamily="50" charset="-127"/>
+              </a:rPr>
+              <a:t>전멸할 때까지 전투를 </a:t>
+            </a:r>
+            <a:br>
+              <a:rPr lang="en-US" altLang="ko-KR" sz="2000" spc="-150">
+                <a:solidFill>
+                  <a:schemeClr val="bg1"/>
+                </a:solidFill>
+                <a:latin typeface="AppleSDGothicNeoB00" panose="02000503000000000000" pitchFamily="2" charset="-127"/>
+                <a:ea typeface="AppleSDGothicNeoB00" panose="02000503000000000000" pitchFamily="2" charset="-127"/>
+                <a:cs typeface="Pretendard Black" panose="02000A03000000020004" pitchFamily="50" charset="-127"/>
+              </a:rPr>
+            </a:br>
+            <a:r>
+              <a:rPr lang="ko-KR" altLang="en-US" sz="2000" spc="-150">
+                <a:solidFill>
+                  <a:schemeClr val="bg1"/>
+                </a:solidFill>
+                <a:latin typeface="AppleSDGothicNeoB00" panose="02000503000000000000" pitchFamily="2" charset="-127"/>
+                <a:ea typeface="AppleSDGothicNeoB00" panose="02000503000000000000" pitchFamily="2" charset="-127"/>
+                <a:cs typeface="Pretendard Black" panose="02000A03000000020004" pitchFamily="50" charset="-127"/>
+              </a:rPr>
+              <a:t>반복해요</a:t>
+            </a:r>
+          </a:p>
+        </p:txBody>
+      </p:sp>
+      <p:sp>
+        <p:nvSpPr>
+          <p:cNvPr id="6" name="TextBox 5">
+            <a:extLst>
+              <a:ext uri="{FF2B5EF4-FFF2-40B4-BE49-F238E27FC236}">
+                <a16:creationId xmlns:a16="http://schemas.microsoft.com/office/drawing/2014/main" id="{66D086EB-0C52-1987-1F8D-A09E7FC4D2C8}"/>
+              </a:ext>
+            </a:extLst>
+          </p:cNvPr>
+          <p:cNvSpPr txBox="1"/>
+          <p:nvPr/>
+        </p:nvSpPr>
+        <p:spPr>
+          <a:xfrm>
+            <a:off x="1221133" y="852041"/>
+            <a:ext cx="1679229" cy="253916"/>
+          </a:xfrm>
+          <a:prstGeom prst="rect">
+            <a:avLst/>
+          </a:prstGeom>
+          <a:noFill/>
+        </p:spPr>
+        <p:txBody>
+          <a:bodyPr wrap="square" rtlCol="0">
+            <a:spAutoFit/>
+          </a:bodyPr>
+          <a:lstStyle/>
+          <a:p>
+            <a:pPr algn="ctr"/>
+            <a:r>
+              <a:rPr lang="en-US" altLang="ko-KR" sz="1050">
+                <a:solidFill>
+                  <a:schemeClr val="bg1"/>
+                </a:solidFill>
+                <a:latin typeface="Pretendard" panose="02000803000000020004" pitchFamily="50" charset="-127"/>
+                <a:ea typeface="Pretendard" panose="02000803000000020004" pitchFamily="50" charset="-127"/>
+                <a:cs typeface="Pretendard" panose="02000803000000020004" pitchFamily="50" charset="-127"/>
+              </a:rPr>
+              <a:t>&lt;</a:t>
+            </a:r>
+            <a:r>
+              <a:rPr lang="ko-KR" altLang="en-US" sz="1050">
+                <a:solidFill>
+                  <a:schemeClr val="bg1"/>
+                </a:solidFill>
+                <a:latin typeface="Pretendard" panose="02000803000000020004" pitchFamily="50" charset="-127"/>
+                <a:ea typeface="Pretendard" panose="02000803000000020004" pitchFamily="50" charset="-127"/>
+                <a:cs typeface="Pretendard" panose="02000803000000020004" pitchFamily="50" charset="-127"/>
+              </a:rPr>
+              <a:t>한끼줍쇼</a:t>
+            </a:r>
+            <a:r>
+              <a:rPr lang="en-US" altLang="ko-KR" sz="1050">
+                <a:solidFill>
+                  <a:schemeClr val="bg1"/>
+                </a:solidFill>
+                <a:latin typeface="Pretendard" panose="02000803000000020004" pitchFamily="50" charset="-127"/>
+                <a:ea typeface="Pretendard" panose="02000803000000020004" pitchFamily="50" charset="-127"/>
+                <a:cs typeface="Pretendard" panose="02000803000000020004" pitchFamily="50" charset="-127"/>
+              </a:rPr>
+              <a:t>&gt; </a:t>
+            </a:r>
+            <a:r>
+              <a:rPr lang="ko-KR" altLang="en-US" sz="1050">
+                <a:solidFill>
+                  <a:schemeClr val="bg1"/>
+                </a:solidFill>
+                <a:latin typeface="Pretendard" panose="02000803000000020004" pitchFamily="50" charset="-127"/>
+                <a:ea typeface="Pretendard" panose="02000803000000020004" pitchFamily="50" charset="-127"/>
+                <a:cs typeface="Pretendard" panose="02000803000000020004" pitchFamily="50" charset="-127"/>
+              </a:rPr>
+              <a:t>매니저님밥</a:t>
+            </a:r>
+            <a:r>
+              <a:rPr lang="en-US" altLang="ko-KR" sz="1050">
+                <a:solidFill>
+                  <a:schemeClr val="bg1"/>
+                </a:solidFill>
+                <a:latin typeface="Pretendard" panose="02000803000000020004" pitchFamily="50" charset="-127"/>
+                <a:ea typeface="Pretendard" panose="02000803000000020004" pitchFamily="50" charset="-127"/>
+                <a:cs typeface="Pretendard" panose="02000803000000020004" pitchFamily="50" charset="-127"/>
+              </a:rPr>
+              <a:t>4</a:t>
+            </a:r>
+            <a:r>
+              <a:rPr lang="ko-KR" altLang="en-US" sz="1050">
+                <a:solidFill>
+                  <a:schemeClr val="bg1"/>
+                </a:solidFill>
+                <a:latin typeface="Pretendard" panose="02000803000000020004" pitchFamily="50" charset="-127"/>
+                <a:ea typeface="Pretendard" panose="02000803000000020004" pitchFamily="50" charset="-127"/>
+                <a:cs typeface="Pretendard" panose="02000803000000020004" pitchFamily="50" charset="-127"/>
+              </a:rPr>
+              <a:t>조</a:t>
+            </a:r>
+            <a:endParaRPr lang="ko-KR" altLang="en-US" sz="1600" dirty="0">
+              <a:solidFill>
+                <a:schemeClr val="bg1"/>
+              </a:solidFill>
+              <a:latin typeface="Pretendard" panose="02000803000000020004" pitchFamily="50" charset="-127"/>
+              <a:ea typeface="Pretendard" panose="02000803000000020004" pitchFamily="50" charset="-127"/>
+              <a:cs typeface="Pretendard" panose="02000803000000020004" pitchFamily="50" charset="-127"/>
+            </a:endParaRPr>
+          </a:p>
+        </p:txBody>
+      </p:sp>
+      <p:sp>
+        <p:nvSpPr>
+          <p:cNvPr id="3" name="TextBox 2">
+            <a:extLst>
+              <a:ext uri="{FF2B5EF4-FFF2-40B4-BE49-F238E27FC236}">
+                <a16:creationId xmlns:a16="http://schemas.microsoft.com/office/drawing/2014/main" id="{2260E72F-1382-9F7E-36B8-E7AD786CDE89}"/>
+              </a:ext>
+            </a:extLst>
+          </p:cNvPr>
+          <p:cNvSpPr txBox="1"/>
+          <p:nvPr/>
+        </p:nvSpPr>
+        <p:spPr>
+          <a:xfrm>
+            <a:off x="1153838" y="2403415"/>
+            <a:ext cx="2517036" cy="707886"/>
+          </a:xfrm>
+          <a:prstGeom prst="rect">
+            <a:avLst/>
+          </a:prstGeom>
+          <a:noFill/>
+        </p:spPr>
+        <p:txBody>
+          <a:bodyPr wrap="none" rtlCol="0">
+            <a:spAutoFit/>
+          </a:bodyPr>
+          <a:lstStyle/>
+          <a:p>
+            <a:r>
+              <a:rPr lang="ko-KR" altLang="en-US" sz="4000">
+                <a:solidFill>
+                  <a:schemeClr val="bg1"/>
+                </a:solidFill>
+                <a:latin typeface="Pretendard Black" panose="02000A03000000020004" pitchFamily="50" charset="-127"/>
+                <a:ea typeface="Pretendard Black" panose="02000A03000000020004" pitchFamily="50" charset="-127"/>
+                <a:cs typeface="Pretendard Black" panose="02000A03000000020004" pitchFamily="50" charset="-127"/>
+              </a:rPr>
+              <a:t>퀘스트 구현</a:t>
+            </a:r>
+          </a:p>
+        </p:txBody>
+      </p:sp>
+      <p:pic>
+        <p:nvPicPr>
+          <p:cNvPr id="4" name="그림 3" descr="텍스트, 스크린샷, 폰트이(가) 표시된 사진&#10;&#10;자동 생성된 설명">
+            <a:extLst>
+              <a:ext uri="{FF2B5EF4-FFF2-40B4-BE49-F238E27FC236}">
+                <a16:creationId xmlns:a16="http://schemas.microsoft.com/office/drawing/2014/main" id="{90655481-4F38-AA39-E82A-3FB57B1CCD9D}"/>
+              </a:ext>
+            </a:extLst>
+          </p:cNvPr>
+          <p:cNvPicPr>
+            <a:picLocks noChangeAspect="1"/>
+          </p:cNvPicPr>
+          <p:nvPr/>
+        </p:nvPicPr>
+        <p:blipFill>
+          <a:blip r:embed="rId3">
+            <a:extLst>
+              <a:ext uri="{28A0092B-C50C-407E-A947-70E740481C1C}">
+                <a14:useLocalDpi xmlns:a14="http://schemas.microsoft.com/office/drawing/2010/main" val="0"/>
+              </a:ext>
+            </a:extLst>
+          </a:blip>
+          <a:stretch>
+            <a:fillRect/>
+          </a:stretch>
+        </p:blipFill>
+        <p:spPr>
+          <a:xfrm>
+            <a:off x="4534764" y="2403415"/>
+            <a:ext cx="3877216" cy="2286319"/>
+          </a:xfrm>
+          <a:prstGeom prst="rect">
+            <a:avLst/>
+          </a:prstGeom>
+        </p:spPr>
+      </p:pic>
+    </p:spTree>
+    <p:extLst>
+      <p:ext uri="{BB962C8B-B14F-4D97-AF65-F5344CB8AC3E}">
+        <p14:creationId xmlns:p14="http://schemas.microsoft.com/office/powerpoint/2010/main" val="1945590541"/>
+      </p:ext>
+    </p:extLst>
+  </p:cSld>
+  <p:clrMapOvr>
+    <a:masterClrMapping/>
+  </p:clrMapOvr>
+</p:sld>
+</file>
+
+<file path=ppt/slides/slide17.xml><?xml version="1.0" encoding="utf-8"?>
+<p:sld xmlns:a="http://schemas.openxmlformats.org/drawingml/2006/main" xmlns:r="http://schemas.openxmlformats.org/officeDocument/2006/relationships" xmlns:p="http://schemas.openxmlformats.org/presentationml/2006/main">
+  <p:cSld>
+    <p:bg>
+      <p:bgPr>
+        <a:solidFill>
+          <a:schemeClr val="tx1"/>
+        </a:solidFill>
+        <a:effectLst/>
+      </p:bgPr>
+    </p:bg>
+    <p:spTree>
+      <p:nvGrpSpPr>
+        <p:cNvPr id="1" name=""/>
+        <p:cNvGrpSpPr/>
+        <p:nvPr/>
+      </p:nvGrpSpPr>
+      <p:grpSpPr>
+        <a:xfrm>
+          <a:off x="0" y="0"/>
+          <a:ext cx="0" cy="0"/>
+          <a:chOff x="0" y="0"/>
+          <a:chExt cx="0" cy="0"/>
+        </a:xfrm>
+      </p:grpSpPr>
+      <p:sp>
+        <p:nvSpPr>
+          <p:cNvPr id="27" name="TextBox 26">
+            <a:extLst>
+              <a:ext uri="{FF2B5EF4-FFF2-40B4-BE49-F238E27FC236}">
+                <a16:creationId xmlns:a16="http://schemas.microsoft.com/office/drawing/2014/main" id="{76DFBF0E-FDF1-1F46-CC62-E837A6407A10}"/>
+              </a:ext>
+            </a:extLst>
+          </p:cNvPr>
+          <p:cNvSpPr txBox="1"/>
+          <p:nvPr/>
+        </p:nvSpPr>
+        <p:spPr>
+          <a:xfrm>
+            <a:off x="1185529" y="3133096"/>
+            <a:ext cx="2146742" cy="1323439"/>
+          </a:xfrm>
+          <a:prstGeom prst="rect">
+            <a:avLst/>
+          </a:prstGeom>
+          <a:noFill/>
+        </p:spPr>
+        <p:txBody>
+          <a:bodyPr wrap="none" rtlCol="0">
+            <a:spAutoFit/>
+          </a:bodyPr>
+          <a:lstStyle/>
+          <a:p>
+            <a:r>
+              <a:rPr lang="en-US" altLang="ko-KR" sz="2000" spc="-150">
+                <a:solidFill>
+                  <a:schemeClr val="bg1"/>
+                </a:solidFill>
+                <a:latin typeface="AppleSDGothicNeoB00" panose="02000503000000000000" pitchFamily="2" charset="-127"/>
+                <a:ea typeface="AppleSDGothicNeoB00" panose="02000503000000000000" pitchFamily="2" charset="-127"/>
+                <a:cs typeface="Pretendard Black" panose="02000A03000000020004" pitchFamily="50" charset="-127"/>
+              </a:rPr>
+              <a:t>While </a:t>
+            </a:r>
+            <a:r>
+              <a:rPr lang="ko-KR" altLang="en-US" sz="2000" spc="-150">
+                <a:solidFill>
+                  <a:schemeClr val="bg1"/>
+                </a:solidFill>
+                <a:latin typeface="AppleSDGothicNeoB00" panose="02000503000000000000" pitchFamily="2" charset="-127"/>
+                <a:ea typeface="AppleSDGothicNeoB00" panose="02000503000000000000" pitchFamily="2" charset="-127"/>
+                <a:cs typeface="Pretendard Black" panose="02000A03000000020004" pitchFamily="50" charset="-127"/>
+              </a:rPr>
+              <a:t>문으로 </a:t>
+            </a:r>
+            <a:br>
+              <a:rPr lang="en-US" altLang="ko-KR" sz="2000" spc="-150">
+                <a:solidFill>
+                  <a:schemeClr val="bg1"/>
+                </a:solidFill>
+                <a:latin typeface="AppleSDGothicNeoB00" panose="02000503000000000000" pitchFamily="2" charset="-127"/>
+                <a:ea typeface="AppleSDGothicNeoB00" panose="02000503000000000000" pitchFamily="2" charset="-127"/>
+                <a:cs typeface="Pretendard Black" panose="02000A03000000020004" pitchFamily="50" charset="-127"/>
+              </a:rPr>
+            </a:br>
+            <a:r>
+              <a:rPr lang="ko-KR" altLang="en-US" sz="2000" spc="-150">
+                <a:solidFill>
+                  <a:schemeClr val="bg1"/>
+                </a:solidFill>
+                <a:latin typeface="AppleSDGothicNeoB00" panose="02000503000000000000" pitchFamily="2" charset="-127"/>
+                <a:ea typeface="AppleSDGothicNeoB00" panose="02000503000000000000" pitchFamily="2" charset="-127"/>
+                <a:cs typeface="Pretendard Black" panose="02000A03000000020004" pitchFamily="50" charset="-127"/>
+              </a:rPr>
+              <a:t>몬스터나 플레이어가 </a:t>
+            </a:r>
+            <a:br>
+              <a:rPr lang="en-US" altLang="ko-KR" sz="2000" spc="-150">
+                <a:solidFill>
+                  <a:schemeClr val="bg1"/>
+                </a:solidFill>
+                <a:latin typeface="AppleSDGothicNeoB00" panose="02000503000000000000" pitchFamily="2" charset="-127"/>
+                <a:ea typeface="AppleSDGothicNeoB00" panose="02000503000000000000" pitchFamily="2" charset="-127"/>
+                <a:cs typeface="Pretendard Black" panose="02000A03000000020004" pitchFamily="50" charset="-127"/>
+              </a:rPr>
+            </a:br>
+            <a:r>
+              <a:rPr lang="ko-KR" altLang="en-US" sz="2000" spc="-150">
+                <a:solidFill>
+                  <a:schemeClr val="bg1"/>
+                </a:solidFill>
+                <a:latin typeface="AppleSDGothicNeoB00" panose="02000503000000000000" pitchFamily="2" charset="-127"/>
+                <a:ea typeface="AppleSDGothicNeoB00" panose="02000503000000000000" pitchFamily="2" charset="-127"/>
+                <a:cs typeface="Pretendard Black" panose="02000A03000000020004" pitchFamily="50" charset="-127"/>
+              </a:rPr>
+              <a:t>전멸할 때까지 전투를 </a:t>
+            </a:r>
+            <a:br>
+              <a:rPr lang="en-US" altLang="ko-KR" sz="2000" spc="-150">
+                <a:solidFill>
+                  <a:schemeClr val="bg1"/>
+                </a:solidFill>
+                <a:latin typeface="AppleSDGothicNeoB00" panose="02000503000000000000" pitchFamily="2" charset="-127"/>
+                <a:ea typeface="AppleSDGothicNeoB00" panose="02000503000000000000" pitchFamily="2" charset="-127"/>
+                <a:cs typeface="Pretendard Black" panose="02000A03000000020004" pitchFamily="50" charset="-127"/>
+              </a:rPr>
+            </a:br>
+            <a:r>
+              <a:rPr lang="ko-KR" altLang="en-US" sz="2000" spc="-150">
+                <a:solidFill>
+                  <a:schemeClr val="bg1"/>
+                </a:solidFill>
+                <a:latin typeface="AppleSDGothicNeoB00" panose="02000503000000000000" pitchFamily="2" charset="-127"/>
+                <a:ea typeface="AppleSDGothicNeoB00" panose="02000503000000000000" pitchFamily="2" charset="-127"/>
+                <a:cs typeface="Pretendard Black" panose="02000A03000000020004" pitchFamily="50" charset="-127"/>
+              </a:rPr>
+              <a:t>반복해요</a:t>
+            </a:r>
+          </a:p>
+        </p:txBody>
+      </p:sp>
+      <p:sp>
+        <p:nvSpPr>
+          <p:cNvPr id="6" name="TextBox 5">
+            <a:extLst>
+              <a:ext uri="{FF2B5EF4-FFF2-40B4-BE49-F238E27FC236}">
+                <a16:creationId xmlns:a16="http://schemas.microsoft.com/office/drawing/2014/main" id="{66D086EB-0C52-1987-1F8D-A09E7FC4D2C8}"/>
+              </a:ext>
+            </a:extLst>
+          </p:cNvPr>
+          <p:cNvSpPr txBox="1"/>
+          <p:nvPr/>
+        </p:nvSpPr>
+        <p:spPr>
+          <a:xfrm>
+            <a:off x="1221133" y="852041"/>
+            <a:ext cx="1679229" cy="253916"/>
+          </a:xfrm>
+          <a:prstGeom prst="rect">
+            <a:avLst/>
+          </a:prstGeom>
+          <a:noFill/>
+        </p:spPr>
+        <p:txBody>
+          <a:bodyPr wrap="square" rtlCol="0">
+            <a:spAutoFit/>
+          </a:bodyPr>
+          <a:lstStyle/>
+          <a:p>
+            <a:pPr algn="ctr"/>
+            <a:r>
+              <a:rPr lang="en-US" altLang="ko-KR" sz="1050">
+                <a:solidFill>
+                  <a:schemeClr val="bg1"/>
+                </a:solidFill>
+                <a:latin typeface="Pretendard" panose="02000803000000020004" pitchFamily="50" charset="-127"/>
+                <a:ea typeface="Pretendard" panose="02000803000000020004" pitchFamily="50" charset="-127"/>
+                <a:cs typeface="Pretendard" panose="02000803000000020004" pitchFamily="50" charset="-127"/>
+              </a:rPr>
+              <a:t>&lt;</a:t>
+            </a:r>
+            <a:r>
+              <a:rPr lang="ko-KR" altLang="en-US" sz="1050">
+                <a:solidFill>
+                  <a:schemeClr val="bg1"/>
+                </a:solidFill>
+                <a:latin typeface="Pretendard" panose="02000803000000020004" pitchFamily="50" charset="-127"/>
+                <a:ea typeface="Pretendard" panose="02000803000000020004" pitchFamily="50" charset="-127"/>
+                <a:cs typeface="Pretendard" panose="02000803000000020004" pitchFamily="50" charset="-127"/>
+              </a:rPr>
+              <a:t>한끼줍쇼</a:t>
+            </a:r>
+            <a:r>
+              <a:rPr lang="en-US" altLang="ko-KR" sz="1050">
+                <a:solidFill>
+                  <a:schemeClr val="bg1"/>
+                </a:solidFill>
+                <a:latin typeface="Pretendard" panose="02000803000000020004" pitchFamily="50" charset="-127"/>
+                <a:ea typeface="Pretendard" panose="02000803000000020004" pitchFamily="50" charset="-127"/>
+                <a:cs typeface="Pretendard" panose="02000803000000020004" pitchFamily="50" charset="-127"/>
+              </a:rPr>
+              <a:t>&gt; </a:t>
+            </a:r>
+            <a:r>
+              <a:rPr lang="ko-KR" altLang="en-US" sz="1050">
+                <a:solidFill>
+                  <a:schemeClr val="bg1"/>
+                </a:solidFill>
+                <a:latin typeface="Pretendard" panose="02000803000000020004" pitchFamily="50" charset="-127"/>
+                <a:ea typeface="Pretendard" panose="02000803000000020004" pitchFamily="50" charset="-127"/>
+                <a:cs typeface="Pretendard" panose="02000803000000020004" pitchFamily="50" charset="-127"/>
+              </a:rPr>
+              <a:t>매니저님밥</a:t>
+            </a:r>
+            <a:r>
+              <a:rPr lang="en-US" altLang="ko-KR" sz="1050">
+                <a:solidFill>
+                  <a:schemeClr val="bg1"/>
+                </a:solidFill>
+                <a:latin typeface="Pretendard" panose="02000803000000020004" pitchFamily="50" charset="-127"/>
+                <a:ea typeface="Pretendard" panose="02000803000000020004" pitchFamily="50" charset="-127"/>
+                <a:cs typeface="Pretendard" panose="02000803000000020004" pitchFamily="50" charset="-127"/>
+              </a:rPr>
+              <a:t>4</a:t>
+            </a:r>
+            <a:r>
+              <a:rPr lang="ko-KR" altLang="en-US" sz="1050">
+                <a:solidFill>
+                  <a:schemeClr val="bg1"/>
+                </a:solidFill>
+                <a:latin typeface="Pretendard" panose="02000803000000020004" pitchFamily="50" charset="-127"/>
+                <a:ea typeface="Pretendard" panose="02000803000000020004" pitchFamily="50" charset="-127"/>
+                <a:cs typeface="Pretendard" panose="02000803000000020004" pitchFamily="50" charset="-127"/>
+              </a:rPr>
+              <a:t>조</a:t>
+            </a:r>
+            <a:endParaRPr lang="ko-KR" altLang="en-US" sz="1600" dirty="0">
+              <a:solidFill>
+                <a:schemeClr val="bg1"/>
+              </a:solidFill>
+              <a:latin typeface="Pretendard" panose="02000803000000020004" pitchFamily="50" charset="-127"/>
+              <a:ea typeface="Pretendard" panose="02000803000000020004" pitchFamily="50" charset="-127"/>
+              <a:cs typeface="Pretendard" panose="02000803000000020004" pitchFamily="50" charset="-127"/>
+            </a:endParaRPr>
+          </a:p>
+        </p:txBody>
+      </p:sp>
+      <p:sp>
+        <p:nvSpPr>
+          <p:cNvPr id="3" name="TextBox 2">
+            <a:extLst>
+              <a:ext uri="{FF2B5EF4-FFF2-40B4-BE49-F238E27FC236}">
+                <a16:creationId xmlns:a16="http://schemas.microsoft.com/office/drawing/2014/main" id="{2260E72F-1382-9F7E-36B8-E7AD786CDE89}"/>
+              </a:ext>
+            </a:extLst>
+          </p:cNvPr>
+          <p:cNvSpPr txBox="1"/>
+          <p:nvPr/>
+        </p:nvSpPr>
+        <p:spPr>
+          <a:xfrm>
+            <a:off x="1153838" y="2403415"/>
+            <a:ext cx="2517036" cy="707886"/>
+          </a:xfrm>
+          <a:prstGeom prst="rect">
+            <a:avLst/>
+          </a:prstGeom>
+          <a:noFill/>
+        </p:spPr>
+        <p:txBody>
+          <a:bodyPr wrap="none" rtlCol="0">
+            <a:spAutoFit/>
+          </a:bodyPr>
+          <a:lstStyle/>
+          <a:p>
+            <a:r>
+              <a:rPr lang="ko-KR" altLang="en-US" sz="4000">
+                <a:solidFill>
+                  <a:schemeClr val="bg1"/>
+                </a:solidFill>
+                <a:latin typeface="Pretendard Black" panose="02000A03000000020004" pitchFamily="50" charset="-127"/>
+                <a:ea typeface="Pretendard Black" panose="02000A03000000020004" pitchFamily="50" charset="-127"/>
+                <a:cs typeface="Pretendard Black" panose="02000A03000000020004" pitchFamily="50" charset="-127"/>
+              </a:rPr>
+              <a:t>퀘스트 구현</a:t>
+            </a:r>
+          </a:p>
+        </p:txBody>
+      </p:sp>
+      <p:pic>
+        <p:nvPicPr>
+          <p:cNvPr id="2" name="그림 1" descr="텍스트, 소프트웨어, 폰트, 스크린샷이(가) 표시된 사진&#10;&#10;자동 생성된 설명">
+            <a:extLst>
+              <a:ext uri="{FF2B5EF4-FFF2-40B4-BE49-F238E27FC236}">
+                <a16:creationId xmlns:a16="http://schemas.microsoft.com/office/drawing/2014/main" id="{AFC303C7-F8D1-52D4-675B-D2D3FF4D2EED}"/>
+              </a:ext>
+            </a:extLst>
+          </p:cNvPr>
+          <p:cNvPicPr>
+            <a:picLocks noChangeAspect="1"/>
+          </p:cNvPicPr>
+          <p:nvPr/>
+        </p:nvPicPr>
+        <p:blipFill>
+          <a:blip r:embed="rId3">
+            <a:extLst>
+              <a:ext uri="{28A0092B-C50C-407E-A947-70E740481C1C}">
+                <a14:useLocalDpi xmlns:a14="http://schemas.microsoft.com/office/drawing/2010/main" val="0"/>
+              </a:ext>
+            </a:extLst>
+          </a:blip>
+          <a:stretch>
+            <a:fillRect/>
+          </a:stretch>
+        </p:blipFill>
+        <p:spPr>
+          <a:xfrm>
+            <a:off x="4200936" y="2680234"/>
+            <a:ext cx="7716327" cy="2229161"/>
+          </a:xfrm>
+          <a:prstGeom prst="rect">
+            <a:avLst/>
+          </a:prstGeom>
+        </p:spPr>
+      </p:pic>
+    </p:spTree>
+    <p:extLst>
+      <p:ext uri="{BB962C8B-B14F-4D97-AF65-F5344CB8AC3E}">
+        <p14:creationId xmlns:p14="http://schemas.microsoft.com/office/powerpoint/2010/main" val="1922265465"/>
+      </p:ext>
+    </p:extLst>
+  </p:cSld>
+  <p:clrMapOvr>
+    <a:masterClrMapping/>
+  </p:clrMapOvr>
+</p:sld>
+</file>
+
+<file path=ppt/slides/slide18.xml><?xml version="1.0" encoding="utf-8"?>
 <p:sld xmlns:a="http://schemas.openxmlformats.org/drawingml/2006/main" xmlns:r="http://schemas.openxmlformats.org/officeDocument/2006/relationships" xmlns:p="http://schemas.openxmlformats.org/presentationml/2006/main">
   <p:cSld>
     <p:spTree>
@@ -6503,8 +9266,8 @@
         </p:nvSpPr>
         <p:spPr>
           <a:xfrm>
-            <a:off x="4843166" y="2855135"/>
-            <a:ext cx="2861681" cy="2031325"/>
+            <a:off x="5517931" y="3429000"/>
+            <a:ext cx="3825086" cy="646331"/>
           </a:xfrm>
           <a:prstGeom prst="rect">
             <a:avLst/>
@@ -6519,72 +9282,31 @@
           <a:p>
             <a:r>
               <a:rPr lang="ko-KR" altLang="en-US"/>
-              <a:t>기능 설명</a:t>
-            </a:r>
-            <a:r>
-              <a:rPr lang="en-US" altLang="ko-KR"/>
-              <a:t>..?</a:t>
-            </a:r>
-          </a:p>
-          <a:p>
-            <a:endParaRPr lang="en-US" altLang="ko-KR"/>
-          </a:p>
-          <a:p>
-            <a:endParaRPr lang="en-US" altLang="ko-KR"/>
-          </a:p>
-          <a:p>
-            <a:pPr marL="285750" indent="-285750">
-              <a:buFontTx/>
-              <a:buChar char="-"/>
-            </a:pPr>
-            <a:r>
-              <a:rPr lang="ko-KR" altLang="en-US"/>
-              <a:t>전투 중심</a:t>
-            </a:r>
-            <a:r>
-              <a:rPr lang="en-US" altLang="ko-KR"/>
-              <a:t>, </a:t>
-            </a:r>
-            <a:r>
-              <a:rPr lang="ko-KR" altLang="en-US"/>
-              <a:t>스킬 서브   </a:t>
+              <a:t>쭉 찍고 필요한 부분 편집해서 쓰기</a:t>
             </a:r>
             <a:br>
               <a:rPr lang="en-US" altLang="ko-KR"/>
             </a:br>
             <a:r>
               <a:rPr lang="en-US" altLang="ko-KR"/>
-              <a:t>- </a:t>
+              <a:t>(</a:t>
             </a:r>
             <a:r>
               <a:rPr lang="ko-KR" altLang="en-US"/>
-              <a:t>퀘스트</a:t>
-            </a:r>
-            <a:br>
+              <a:t>다 완성되고 나서</a:t>
+            </a:r>
+            <a:r>
               <a:rPr lang="en-US" altLang="ko-KR"/>
-            </a:br>
-            <a:r>
-              <a:rPr lang="ko-KR" altLang="en-US"/>
-              <a:t> </a:t>
-            </a:r>
-            <a:r>
-              <a:rPr lang="en-US" altLang="ko-KR"/>
-              <a:t> </a:t>
-            </a:r>
-          </a:p>
-          <a:p>
-            <a:pPr marL="285750" indent="-285750">
-              <a:buFontTx/>
-              <a:buChar char="-"/>
-            </a:pPr>
-            <a:endParaRPr lang="en-US" altLang="ko-KR"/>
+              <a:t>) </a:t>
+            </a:r>
+            <a:endParaRPr lang="ko-KR" altLang="en-US"/>
           </a:p>
         </p:txBody>
       </p:sp>
     </p:spTree>
     <p:extLst>
       <p:ext uri="{BB962C8B-B14F-4D97-AF65-F5344CB8AC3E}">
-        <p14:creationId xmlns:p14="http://schemas.microsoft.com/office/powerpoint/2010/main" val="3722130262"/>
+        <p14:creationId xmlns:p14="http://schemas.microsoft.com/office/powerpoint/2010/main" val="4050988922"/>
       </p:ext>
     </p:extLst>
   </p:cSld>
@@ -6594,7 +9316,7 @@
 </p:sld>
 </file>
 
-<file path=ppt/slides/slide14.xml><?xml version="1.0" encoding="utf-8"?>
+<file path=ppt/slides/slide19.xml><?xml version="1.0" encoding="utf-8"?>
 <p:sld xmlns:a="http://schemas.openxmlformats.org/drawingml/2006/main" xmlns:r="http://schemas.openxmlformats.org/officeDocument/2006/relationships" xmlns:p="http://schemas.openxmlformats.org/presentationml/2006/main">
   <p:cSld>
     <p:spTree>
@@ -6625,8 +9347,8 @@
         </p:nvSpPr>
         <p:spPr>
           <a:xfrm>
-            <a:off x="5517931" y="3429000"/>
-            <a:ext cx="877163" cy="369332"/>
+            <a:off x="4843166" y="2855135"/>
+            <a:ext cx="2861681" cy="2031325"/>
           </a:xfrm>
           <a:prstGeom prst="rect">
             <a:avLst/>
@@ -6641,15 +9363,72 @@
           <a:p>
             <a:r>
               <a:rPr lang="ko-KR" altLang="en-US"/>
-              <a:t>마무리</a:t>
-            </a:r>
+              <a:t>기능 설명</a:t>
+            </a:r>
+            <a:r>
+              <a:rPr lang="en-US" altLang="ko-KR"/>
+              <a:t>..?</a:t>
+            </a:r>
+          </a:p>
+          <a:p>
+            <a:endParaRPr lang="en-US" altLang="ko-KR"/>
+          </a:p>
+          <a:p>
+            <a:endParaRPr lang="en-US" altLang="ko-KR"/>
+          </a:p>
+          <a:p>
+            <a:pPr marL="285750" indent="-285750">
+              <a:buFontTx/>
+              <a:buChar char="-"/>
+            </a:pPr>
+            <a:r>
+              <a:rPr lang="ko-KR" altLang="en-US"/>
+              <a:t>전투 중심</a:t>
+            </a:r>
+            <a:r>
+              <a:rPr lang="en-US" altLang="ko-KR"/>
+              <a:t>, </a:t>
+            </a:r>
+            <a:r>
+              <a:rPr lang="ko-KR" altLang="en-US"/>
+              <a:t>스킬 서브   </a:t>
+            </a:r>
+            <a:br>
+              <a:rPr lang="en-US" altLang="ko-KR"/>
+            </a:br>
+            <a:r>
+              <a:rPr lang="en-US" altLang="ko-KR"/>
+              <a:t>- </a:t>
+            </a:r>
+            <a:r>
+              <a:rPr lang="ko-KR" altLang="en-US"/>
+              <a:t>퀘스트</a:t>
+            </a:r>
+            <a:br>
+              <a:rPr lang="en-US" altLang="ko-KR"/>
+            </a:br>
+            <a:r>
+              <a:rPr lang="ko-KR" altLang="en-US"/>
+              <a:t> </a:t>
+            </a:r>
+            <a:r>
+              <a:rPr lang="en-US" altLang="ko-KR"/>
+              <a:t> </a:t>
+            </a:r>
+          </a:p>
+          <a:p>
+            <a:pPr marL="285750" indent="-285750">
+              <a:buFontTx/>
+              <a:buChar char="-"/>
+            </a:pPr>
+            <a:endParaRPr lang="en-US" altLang="ko-KR"/>
           </a:p>
         </p:txBody>
       </p:sp>
     </p:spTree>
     <p:extLst>
       <p:ext uri="{BB962C8B-B14F-4D97-AF65-F5344CB8AC3E}">
-        <p14:creationId xmlns:p14="http://schemas.microsoft.com/office/powerpoint/2010/main" val="346726940"/>
+        <p14:creationId xmlns:p14="http://schemas.microsoft.com/office/powerpoint/2010/main" val="3722130262"/>
       </p:ext>
     </p:extLst>
   </p:cSld>
@@ -7141,6 +9920,71 @@
     <p:extLst>
       <p:ext uri="{BB962C8B-B14F-4D97-AF65-F5344CB8AC3E}">
         <p14:creationId xmlns:p14="http://schemas.microsoft.com/office/powerpoint/2010/main" val="2281594693"/>
+      </p:ext>
+    </p:extLst>
+  </p:cSld>
+  <p:clrMapOvr>
+    <a:masterClrMapping/>
+  </p:clrMapOvr>
+</p:sld>
+</file>
+
+<file path=ppt/slides/slide20.xml><?xml version="1.0" encoding="utf-8"?>
+<p:sld xmlns:a="http://schemas.openxmlformats.org/drawingml/2006/main" xmlns:r="http://schemas.openxmlformats.org/officeDocument/2006/relationships" xmlns:p="http://schemas.openxmlformats.org/presentationml/2006/main">
+  <p:cSld>
+    <p:spTree>
+      <p:nvGrpSpPr>
+        <p:cNvPr id="1" name=""/>
+        <p:cNvGrpSpPr/>
+        <p:nvPr/>
+      </p:nvGrpSpPr>
+      <p:grpSpPr>
+        <a:xfrm>
+          <a:off x="0" y="0"/>
+          <a:ext cx="0" cy="0"/>
+          <a:chOff x="0" y="0"/>
+          <a:chExt cx="0" cy="0"/>
+        </a:xfrm>
+      </p:grpSpPr>
+      <p:sp>
+        <p:nvSpPr>
+          <p:cNvPr id="4" name="TextBox 3">
+            <a:extLst>
+              <a:ext uri="{FF2B5EF4-FFF2-40B4-BE49-F238E27FC236}">
+                <a16:creationId xmlns:a16="http://schemas.microsoft.com/office/drawing/2014/main" id="{29969142-A183-AC28-0B8D-31491E1EEE48}"/>
+              </a:ext>
+            </a:extLst>
+          </p:cNvPr>
+          <p:cNvSpPr txBox="1"/>
+          <p:nvPr/>
+        </p:nvSpPr>
+        <p:spPr>
+          <a:xfrm>
+            <a:off x="5517931" y="3429000"/>
+            <a:ext cx="877163" cy="369332"/>
+          </a:xfrm>
+          <a:prstGeom prst="rect">
+            <a:avLst/>
+          </a:prstGeom>
+          <a:noFill/>
+        </p:spPr>
+        <p:txBody>
+          <a:bodyPr wrap="none" rtlCol="0">
+            <a:spAutoFit/>
+          </a:bodyPr>
+          <a:lstStyle/>
+          <a:p>
+            <a:r>
+              <a:rPr lang="ko-KR" altLang="en-US"/>
+              <a:t>마무리</a:t>
+            </a:r>
+          </a:p>
+        </p:txBody>
+      </p:sp>
+    </p:spTree>
+    <p:extLst>
+      <p:ext uri="{BB962C8B-B14F-4D97-AF65-F5344CB8AC3E}">
+        <p14:creationId xmlns:p14="http://schemas.microsoft.com/office/powerpoint/2010/main" val="346726940"/>
       </p:ext>
     </p:extLst>
   </p:cSld>
